--- a/LinkedLists.pptx
+++ b/LinkedLists.pptx
@@ -5,7 +5,7 @@
     <p:sldMasterId id="2147483648" r:id="rId1"/>
   </p:sldMasterIdLst>
   <p:notesMasterIdLst>
-    <p:notesMasterId r:id="rId26"/>
+    <p:notesMasterId r:id="rId27"/>
   </p:notesMasterIdLst>
   <p:sldIdLst>
     <p:sldId id="256" r:id="rId2"/>
@@ -26,12 +26,13 @@
     <p:sldId id="303" r:id="rId17"/>
     <p:sldId id="276" r:id="rId18"/>
     <p:sldId id="291" r:id="rId19"/>
-    <p:sldId id="258" r:id="rId20"/>
-    <p:sldId id="266" r:id="rId21"/>
-    <p:sldId id="288" r:id="rId22"/>
-    <p:sldId id="281" r:id="rId23"/>
-    <p:sldId id="279" r:id="rId24"/>
-    <p:sldId id="265" r:id="rId25"/>
+    <p:sldId id="305" r:id="rId20"/>
+    <p:sldId id="258" r:id="rId21"/>
+    <p:sldId id="266" r:id="rId22"/>
+    <p:sldId id="288" r:id="rId23"/>
+    <p:sldId id="281" r:id="rId24"/>
+    <p:sldId id="279" r:id="rId25"/>
+    <p:sldId id="265" r:id="rId26"/>
   </p:sldIdLst>
   <p:sldSz cx="9144000" cy="6858000" type="screen4x3"/>
   <p:notesSz cx="6858000" cy="9144000"/>
@@ -4079,6 +4080,13 @@
         </dgm:presLayoutVars>
       </dgm:prSet>
       <dgm:spPr/>
+      <dgm:t>
+        <a:bodyPr/>
+        <a:lstStyle/>
+        <a:p>
+          <a:endParaRPr lang="en-US"/>
+        </a:p>
+      </dgm:t>
     </dgm:pt>
     <dgm:pt modelId="{CBA5ED9D-FA0C-45DE-96FB-8616EFE09E0E}" type="pres">
       <dgm:prSet presAssocID="{A03CEB8D-D746-49E0-B821-4F32D5135FA6}" presName="node" presStyleLbl="node1" presStyleIdx="0" presStyleCnt="3">
@@ -4125,16 +4133,23 @@
         </dgm:presLayoutVars>
       </dgm:prSet>
       <dgm:spPr/>
+      <dgm:t>
+        <a:bodyPr/>
+        <a:lstStyle/>
+        <a:p>
+          <a:endParaRPr lang="en-US"/>
+        </a:p>
+      </dgm:t>
     </dgm:pt>
   </dgm:ptLst>
   <dgm:cxnLst>
     <dgm:cxn modelId="{0A09D0C6-5BA7-463C-9BDE-FC57FCB5912B}" type="presOf" srcId="{1EAE82CC-857F-4173-BCA5-8C5D37F5A360}" destId="{651C5C19-BC08-44E2-A807-AE70EAB0E0FE}" srcOrd="0" destOrd="0" presId="urn:microsoft.com/office/officeart/2005/8/layout/default"/>
-    <dgm:cxn modelId="{CF416B27-2040-4A5F-A4E8-2550C468433B}" srcId="{2DB56606-8A8D-4ABD-A245-F4368AD16578}" destId="{A03CEB8D-D746-49E0-B821-4F32D5135FA6}" srcOrd="0" destOrd="0" parTransId="{AF21CB31-C365-4C4E-A884-1EF082A0E7E3}" sibTransId="{F69B5FAD-3672-454F-9ED7-C88279DDBD01}"/>
+    <dgm:cxn modelId="{0FB1216E-226C-48AF-ACA3-CFEDCA885DB7}" srcId="{2DB56606-8A8D-4ABD-A245-F4368AD16578}" destId="{1EAE82CC-857F-4173-BCA5-8C5D37F5A360}" srcOrd="2" destOrd="0" parTransId="{A99BD280-85C9-4F1B-B125-014911BB36FA}" sibTransId="{CFF0C79F-4226-4357-8AD7-7EA6E41A55A2}"/>
+    <dgm:cxn modelId="{F7772650-5A79-4D32-9F76-8941BBB03E61}" type="presOf" srcId="{A03CEB8D-D746-49E0-B821-4F32D5135FA6}" destId="{CBA5ED9D-FA0C-45DE-96FB-8616EFE09E0E}" srcOrd="0" destOrd="0" presId="urn:microsoft.com/office/officeart/2005/8/layout/default"/>
     <dgm:cxn modelId="{4478E417-2455-4DF6-B6B6-21725344065D}" type="presOf" srcId="{9305FA7D-D78A-424B-913B-6A3A1C44223F}" destId="{2C95E44F-F72E-4635-A914-060CC65DD9BB}" srcOrd="0" destOrd="0" presId="urn:microsoft.com/office/officeart/2005/8/layout/default"/>
     <dgm:cxn modelId="{B9A3685D-C7A0-4EB5-B10B-30C473FE4D5C}" srcId="{2DB56606-8A8D-4ABD-A245-F4368AD16578}" destId="{9305FA7D-D78A-424B-913B-6A3A1C44223F}" srcOrd="1" destOrd="0" parTransId="{EDE9A4E9-74D3-41EE-8DA9-FEDD4CA49E53}" sibTransId="{AB81850B-337B-4643-BD72-28F2801B207B}"/>
     <dgm:cxn modelId="{DF01E934-EF5C-4E4A-8800-D87A7BF3694C}" type="presOf" srcId="{2DB56606-8A8D-4ABD-A245-F4368AD16578}" destId="{F8582022-FB68-4FB4-819A-C10C46FBA84E}" srcOrd="0" destOrd="0" presId="urn:microsoft.com/office/officeart/2005/8/layout/default"/>
-    <dgm:cxn modelId="{F7772650-5A79-4D32-9F76-8941BBB03E61}" type="presOf" srcId="{A03CEB8D-D746-49E0-B821-4F32D5135FA6}" destId="{CBA5ED9D-FA0C-45DE-96FB-8616EFE09E0E}" srcOrd="0" destOrd="0" presId="urn:microsoft.com/office/officeart/2005/8/layout/default"/>
-    <dgm:cxn modelId="{0FB1216E-226C-48AF-ACA3-CFEDCA885DB7}" srcId="{2DB56606-8A8D-4ABD-A245-F4368AD16578}" destId="{1EAE82CC-857F-4173-BCA5-8C5D37F5A360}" srcOrd="2" destOrd="0" parTransId="{A99BD280-85C9-4F1B-B125-014911BB36FA}" sibTransId="{CFF0C79F-4226-4357-8AD7-7EA6E41A55A2}"/>
+    <dgm:cxn modelId="{CF416B27-2040-4A5F-A4E8-2550C468433B}" srcId="{2DB56606-8A8D-4ABD-A245-F4368AD16578}" destId="{A03CEB8D-D746-49E0-B821-4F32D5135FA6}" srcOrd="0" destOrd="0" parTransId="{AF21CB31-C365-4C4E-A884-1EF082A0E7E3}" sibTransId="{F69B5FAD-3672-454F-9ED7-C88279DDBD01}"/>
     <dgm:cxn modelId="{6BB3DC92-D417-4312-8662-192716337992}" type="presParOf" srcId="{F8582022-FB68-4FB4-819A-C10C46FBA84E}" destId="{CBA5ED9D-FA0C-45DE-96FB-8616EFE09E0E}" srcOrd="0" destOrd="0" presId="urn:microsoft.com/office/officeart/2005/8/layout/default"/>
     <dgm:cxn modelId="{C5F217DD-4BD0-4C90-9E99-EC711F223DF1}" type="presParOf" srcId="{F8582022-FB68-4FB4-819A-C10C46FBA84E}" destId="{757B7172-5ADA-4A05-A852-EE1FCEE8FD1A}" srcOrd="1" destOrd="0" presId="urn:microsoft.com/office/officeart/2005/8/layout/default"/>
     <dgm:cxn modelId="{06F7756B-E2A8-4258-8586-9DDBD58903DC}" type="presParOf" srcId="{F8582022-FB68-4FB4-819A-C10C46FBA84E}" destId="{2C95E44F-F72E-4635-A914-060CC65DD9BB}" srcOrd="2" destOrd="0" presId="urn:microsoft.com/office/officeart/2005/8/layout/default"/>
@@ -6149,9 +6164,9 @@
     <dgm:cxn modelId="{7C5DB823-76A3-40CD-B572-F6D71E517BE6}" type="presOf" srcId="{B8669CC0-F040-0A41-8B32-1286EFB7EEC2}" destId="{357CB46A-E42C-1F4B-AAC5-355E23E59E39}" srcOrd="1" destOrd="0" presId="urn:microsoft.com/office/officeart/2005/8/layout/matrix1"/>
     <dgm:cxn modelId="{57843B41-B607-6241-A96E-A96D36A18077}" srcId="{010C6E0F-0A47-284F-95F4-239A70AA7AB0}" destId="{CCF8E2C4-D64D-794F-B9A6-E1DAC9626376}" srcOrd="6" destOrd="0" parTransId="{01921EB7-17B4-9347-AF32-29F8BA3F09ED}" sibTransId="{B1978A8C-0DE5-A74C-997D-5A279DFDE246}"/>
     <dgm:cxn modelId="{79DA7518-48B9-4F5B-BB0A-AD3235744E90}" type="presOf" srcId="{010C6E0F-0A47-284F-95F4-239A70AA7AB0}" destId="{DEA49CD9-2F36-1647-AAE9-159D5CC7C41B}" srcOrd="0" destOrd="0" presId="urn:microsoft.com/office/officeart/2005/8/layout/matrix1"/>
+    <dgm:cxn modelId="{59419106-5706-9F43-8068-EFA9A6A90AB7}" srcId="{010C6E0F-0A47-284F-95F4-239A70AA7AB0}" destId="{4F3A9F2F-4244-954E-A87D-534D0658059C}" srcOrd="3" destOrd="0" parTransId="{B7323056-7315-1646-B698-30004EE7CFBC}" sibTransId="{4E859F87-D2E4-1F44-A5AF-A9E74DC88E4A}"/>
+    <dgm:cxn modelId="{C7A607F9-C63B-4040-AA52-4B86A799E146}" type="presOf" srcId="{A0E15FE8-056F-C749-936F-EC5EC9381854}" destId="{77770B68-65C2-D24D-BC46-24CB22BCD973}" srcOrd="0" destOrd="0" presId="urn:microsoft.com/office/officeart/2005/8/layout/matrix1"/>
     <dgm:cxn modelId="{03C06B18-10EA-BF4F-A6E0-D3587720D605}" srcId="{A0E15FE8-056F-C749-936F-EC5EC9381854}" destId="{3D002418-CE80-174F-8D2E-0C612B194EDA}" srcOrd="5" destOrd="0" parTransId="{F307F3A0-DED5-DB42-8A61-811FA0611AE8}" sibTransId="{0901B50F-EBAC-9E49-91DB-274DD41B4098}"/>
-    <dgm:cxn modelId="{C7A607F9-C63B-4040-AA52-4B86A799E146}" type="presOf" srcId="{A0E15FE8-056F-C749-936F-EC5EC9381854}" destId="{77770B68-65C2-D24D-BC46-24CB22BCD973}" srcOrd="0" destOrd="0" presId="urn:microsoft.com/office/officeart/2005/8/layout/matrix1"/>
-    <dgm:cxn modelId="{59419106-5706-9F43-8068-EFA9A6A90AB7}" srcId="{010C6E0F-0A47-284F-95F4-239A70AA7AB0}" destId="{4F3A9F2F-4244-954E-A87D-534D0658059C}" srcOrd="3" destOrd="0" parTransId="{B7323056-7315-1646-B698-30004EE7CFBC}" sibTransId="{4E859F87-D2E4-1F44-A5AF-A9E74DC88E4A}"/>
     <dgm:cxn modelId="{D1BB7626-F6D0-044F-99D3-6D0FA8555683}" srcId="{010C6E0F-0A47-284F-95F4-239A70AA7AB0}" destId="{4ACCBC81-394F-8049-B99E-589B40A3FFF9}" srcOrd="2" destOrd="0" parTransId="{09A97C4C-0FF7-264C-AD72-3ED66E4BDDC9}" sibTransId="{EF99B623-A234-BA4E-B784-BCBDC14BAE4B}"/>
     <dgm:cxn modelId="{BE1500D7-61CF-4BDA-9113-1532DADBDA83}" type="presParOf" srcId="{DEA49CD9-2F36-1647-AAE9-159D5CC7C41B}" destId="{50B7689E-D3A9-FE41-AB6A-162B464B321B}" srcOrd="0" destOrd="0" presId="urn:microsoft.com/office/officeart/2005/8/layout/matrix1"/>
     <dgm:cxn modelId="{1F14E876-F3FE-4E42-B879-20852A3F06A9}" type="presParOf" srcId="{50B7689E-D3A9-FE41-AB6A-162B464B321B}" destId="{C0F9ABE4-A7B0-6849-83E1-4AFBEC452833}" srcOrd="0" destOrd="0" presId="urn:microsoft.com/office/officeart/2005/8/layout/matrix1"/>
@@ -6186,237 +6201,6 @@
       <dsp:cNvGrpSpPr/>
     </dsp:nvGrpSpPr>
     <dsp:grpSpPr/>
-    <dsp:sp modelId="{CBA5ED9D-FA0C-45DE-96FB-8616EFE09E0E}">
-      <dsp:nvSpPr>
-        <dsp:cNvPr id="0" name=""/>
-        <dsp:cNvSpPr/>
-      </dsp:nvSpPr>
-      <dsp:spPr>
-        <a:xfrm>
-          <a:off x="460905" y="1047"/>
-          <a:ext cx="3479899" cy="2087939"/>
-        </a:xfrm>
-        <a:prstGeom prst="rect">
-          <a:avLst/>
-        </a:prstGeom>
-        <a:solidFill>
-          <a:schemeClr val="accent2">
-            <a:hueOff val="0"/>
-            <a:satOff val="0"/>
-            <a:lumOff val="0"/>
-            <a:alphaOff val="0"/>
-          </a:schemeClr>
-        </a:solidFill>
-        <a:ln w="28575" cap="flat" cmpd="sng" algn="ctr">
-          <a:solidFill>
-            <a:schemeClr val="lt1">
-              <a:hueOff val="0"/>
-              <a:satOff val="0"/>
-              <a:lumOff val="0"/>
-              <a:alphaOff val="0"/>
-            </a:schemeClr>
-          </a:solidFill>
-          <a:prstDash val="solid"/>
-        </a:ln>
-        <a:effectLst/>
-      </dsp:spPr>
-      <dsp:style>
-        <a:lnRef idx="2">
-          <a:scrgbClr r="0" g="0" b="0"/>
-        </a:lnRef>
-        <a:fillRef idx="1">
-          <a:scrgbClr r="0" g="0" b="0"/>
-        </a:fillRef>
-        <a:effectRef idx="0">
-          <a:scrgbClr r="0" g="0" b="0"/>
-        </a:effectRef>
-        <a:fontRef idx="minor">
-          <a:schemeClr val="lt1"/>
-        </a:fontRef>
-      </dsp:style>
-      <dsp:txBody>
-        <a:bodyPr spcFirstLastPara="0" vert="horz" wrap="square" lIns="182880" tIns="182880" rIns="182880" bIns="182880" numCol="1" spcCol="1270" anchor="ctr" anchorCtr="0">
-          <a:noAutofit/>
-        </a:bodyPr>
-        <a:lstStyle/>
-        <a:p>
-          <a:pPr lvl="0" algn="ctr" defTabSz="2133600">
-            <a:lnSpc>
-              <a:spcPct val="90000"/>
-            </a:lnSpc>
-            <a:spcBef>
-              <a:spcPct val="0"/>
-            </a:spcBef>
-            <a:spcAft>
-              <a:spcPct val="35000"/>
-            </a:spcAft>
-          </a:pPr>
-          <a:r>
-            <a:rPr lang="en-US" sz="4800" kern="1200" dirty="0" smtClean="0"/>
-            <a:t>Describe Linked List</a:t>
-          </a:r>
-          <a:endParaRPr lang="en-US" sz="4800" kern="1200" dirty="0"/>
-        </a:p>
-      </dsp:txBody>
-      <dsp:txXfrm>
-        <a:off x="460905" y="1047"/>
-        <a:ext cx="3479899" cy="2087939"/>
-      </dsp:txXfrm>
-    </dsp:sp>
-    <dsp:sp modelId="{2C95E44F-F72E-4635-A914-060CC65DD9BB}">
-      <dsp:nvSpPr>
-        <dsp:cNvPr id="0" name=""/>
-        <dsp:cNvSpPr/>
-      </dsp:nvSpPr>
-      <dsp:spPr>
-        <a:xfrm>
-          <a:off x="4288794" y="1047"/>
-          <a:ext cx="3479899" cy="2087939"/>
-        </a:xfrm>
-        <a:prstGeom prst="rect">
-          <a:avLst/>
-        </a:prstGeom>
-        <a:solidFill>
-          <a:schemeClr val="accent2">
-            <a:hueOff val="899977"/>
-            <a:satOff val="24292"/>
-            <a:lumOff val="2550"/>
-            <a:alphaOff val="0"/>
-          </a:schemeClr>
-        </a:solidFill>
-        <a:ln w="28575" cap="flat" cmpd="sng" algn="ctr">
-          <a:solidFill>
-            <a:schemeClr val="lt1">
-              <a:hueOff val="0"/>
-              <a:satOff val="0"/>
-              <a:lumOff val="0"/>
-              <a:alphaOff val="0"/>
-            </a:schemeClr>
-          </a:solidFill>
-          <a:prstDash val="solid"/>
-        </a:ln>
-        <a:effectLst/>
-      </dsp:spPr>
-      <dsp:style>
-        <a:lnRef idx="2">
-          <a:scrgbClr r="0" g="0" b="0"/>
-        </a:lnRef>
-        <a:fillRef idx="1">
-          <a:scrgbClr r="0" g="0" b="0"/>
-        </a:fillRef>
-        <a:effectRef idx="0">
-          <a:scrgbClr r="0" g="0" b="0"/>
-        </a:effectRef>
-        <a:fontRef idx="minor">
-          <a:schemeClr val="lt1"/>
-        </a:fontRef>
-      </dsp:style>
-      <dsp:txBody>
-        <a:bodyPr spcFirstLastPara="0" vert="horz" wrap="square" lIns="182880" tIns="182880" rIns="182880" bIns="182880" numCol="1" spcCol="1270" anchor="ctr" anchorCtr="0">
-          <a:noAutofit/>
-        </a:bodyPr>
-        <a:lstStyle/>
-        <a:p>
-          <a:pPr lvl="0" algn="ctr" defTabSz="2133600">
-            <a:lnSpc>
-              <a:spcPct val="90000"/>
-            </a:lnSpc>
-            <a:spcBef>
-              <a:spcPct val="0"/>
-            </a:spcBef>
-            <a:spcAft>
-              <a:spcPct val="35000"/>
-            </a:spcAft>
-          </a:pPr>
-          <a:r>
-            <a:rPr lang="en-US" sz="4800" kern="1200" dirty="0" smtClean="0"/>
-            <a:t>Python</a:t>
-          </a:r>
-          <a:endParaRPr lang="en-US" sz="4800" kern="1200" dirty="0"/>
-        </a:p>
-      </dsp:txBody>
-      <dsp:txXfrm>
-        <a:off x="4288794" y="1047"/>
-        <a:ext cx="3479899" cy="2087939"/>
-      </dsp:txXfrm>
-    </dsp:sp>
-    <dsp:sp modelId="{651C5C19-BC08-44E2-A807-AE70EAB0E0FE}">
-      <dsp:nvSpPr>
-        <dsp:cNvPr id="0" name=""/>
-        <dsp:cNvSpPr/>
-      </dsp:nvSpPr>
-      <dsp:spPr>
-        <a:xfrm>
-          <a:off x="2374850" y="2436976"/>
-          <a:ext cx="3479899" cy="2087939"/>
-        </a:xfrm>
-        <a:prstGeom prst="rect">
-          <a:avLst/>
-        </a:prstGeom>
-        <a:solidFill>
-          <a:schemeClr val="accent2">
-            <a:hueOff val="1799954"/>
-            <a:satOff val="48584"/>
-            <a:lumOff val="5099"/>
-            <a:alphaOff val="0"/>
-          </a:schemeClr>
-        </a:solidFill>
-        <a:ln w="28575" cap="flat" cmpd="sng" algn="ctr">
-          <a:solidFill>
-            <a:schemeClr val="lt1">
-              <a:hueOff val="0"/>
-              <a:satOff val="0"/>
-              <a:lumOff val="0"/>
-              <a:alphaOff val="0"/>
-            </a:schemeClr>
-          </a:solidFill>
-          <a:prstDash val="solid"/>
-        </a:ln>
-        <a:effectLst/>
-      </dsp:spPr>
-      <dsp:style>
-        <a:lnRef idx="2">
-          <a:scrgbClr r="0" g="0" b="0"/>
-        </a:lnRef>
-        <a:fillRef idx="1">
-          <a:scrgbClr r="0" g="0" b="0"/>
-        </a:fillRef>
-        <a:effectRef idx="0">
-          <a:scrgbClr r="0" g="0" b="0"/>
-        </a:effectRef>
-        <a:fontRef idx="minor">
-          <a:schemeClr val="lt1"/>
-        </a:fontRef>
-      </dsp:style>
-      <dsp:txBody>
-        <a:bodyPr spcFirstLastPara="0" vert="horz" wrap="square" lIns="182880" tIns="182880" rIns="182880" bIns="182880" numCol="1" spcCol="1270" anchor="ctr" anchorCtr="0">
-          <a:noAutofit/>
-        </a:bodyPr>
-        <a:lstStyle/>
-        <a:p>
-          <a:pPr lvl="0" algn="ctr" defTabSz="2133600">
-            <a:lnSpc>
-              <a:spcPct val="90000"/>
-            </a:lnSpc>
-            <a:spcBef>
-              <a:spcPct val="0"/>
-            </a:spcBef>
-            <a:spcAft>
-              <a:spcPct val="35000"/>
-            </a:spcAft>
-          </a:pPr>
-          <a:r>
-            <a:rPr lang="en-US" sz="4800" kern="1200" dirty="0" smtClean="0"/>
-            <a:t>Why</a:t>
-          </a:r>
-          <a:endParaRPr lang="en-US" sz="4800" kern="1200" dirty="0"/>
-        </a:p>
-      </dsp:txBody>
-      <dsp:txXfrm>
-        <a:off x="2374850" y="2436976"/>
-        <a:ext cx="3479899" cy="2087939"/>
-      </dsp:txXfrm>
-    </dsp:sp>
   </dsp:spTree>
 </dsp:drawing>
 </file>
@@ -6429,692 +6213,6 @@
       <dsp:cNvGrpSpPr/>
     </dsp:nvGrpSpPr>
     <dsp:grpSpPr/>
-    <dsp:sp modelId="{EBE2B66D-75FC-F740-B1D6-F2AF95FFB8E6}">
-      <dsp:nvSpPr>
-        <dsp:cNvPr id="0" name=""/>
-        <dsp:cNvSpPr/>
-      </dsp:nvSpPr>
-      <dsp:spPr>
-        <a:xfrm>
-          <a:off x="3616" y="1788614"/>
-          <a:ext cx="1581224" cy="948734"/>
-        </a:xfrm>
-        <a:prstGeom prst="roundRect">
-          <a:avLst>
-            <a:gd name="adj" fmla="val 10000"/>
-          </a:avLst>
-        </a:prstGeom>
-        <a:noFill/>
-        <a:ln>
-          <a:noFill/>
-        </a:ln>
-        <a:effectLst>
-          <a:outerShdw blurRad="40000" dist="20000" dir="5400000" rotWithShape="0">
-            <a:srgbClr val="000000">
-              <a:alpha val="38000"/>
-            </a:srgbClr>
-          </a:outerShdw>
-        </a:effectLst>
-        <a:scene3d>
-          <a:camera prst="orthographicFront"/>
-          <a:lightRig rig="flat" dir="t"/>
-        </a:scene3d>
-        <a:sp3d prstMaterial="dkEdge">
-          <a:bevelT w="8200" h="38100"/>
-        </a:sp3d>
-      </dsp:spPr>
-      <dsp:style>
-        <a:lnRef idx="0">
-          <a:scrgbClr r="0" g="0" b="0"/>
-        </a:lnRef>
-        <a:fillRef idx="2">
-          <a:scrgbClr r="0" g="0" b="0"/>
-        </a:fillRef>
-        <a:effectRef idx="1">
-          <a:scrgbClr r="0" g="0" b="0"/>
-        </a:effectRef>
-        <a:fontRef idx="minor">
-          <a:schemeClr val="dk1"/>
-        </a:fontRef>
-      </dsp:style>
-      <dsp:txBody>
-        <a:bodyPr spcFirstLastPara="0" vert="horz" wrap="square" lIns="144780" tIns="144780" rIns="144780" bIns="144780" numCol="1" spcCol="1270" anchor="ctr" anchorCtr="0">
-          <a:noAutofit/>
-        </a:bodyPr>
-        <a:lstStyle/>
-        <a:p>
-          <a:pPr lvl="0" algn="ctr" defTabSz="1689100">
-            <a:lnSpc>
-              <a:spcPct val="90000"/>
-            </a:lnSpc>
-            <a:spcBef>
-              <a:spcPct val="0"/>
-            </a:spcBef>
-            <a:spcAft>
-              <a:spcPct val="35000"/>
-            </a:spcAft>
-          </a:pPr>
-          <a:r>
-            <a:rPr lang="en-US" sz="3800" kern="1200" dirty="0" smtClean="0"/>
-            <a:t>head</a:t>
-          </a:r>
-          <a:endParaRPr lang="en-US" sz="3800" kern="1200" dirty="0"/>
-        </a:p>
-      </dsp:txBody>
-      <dsp:txXfrm>
-        <a:off x="31403" y="1816401"/>
-        <a:ext cx="1525650" cy="893160"/>
-      </dsp:txXfrm>
-    </dsp:sp>
-    <dsp:sp modelId="{4A296A3C-AEAD-9E48-B321-D02438435520}">
-      <dsp:nvSpPr>
-        <dsp:cNvPr id="0" name=""/>
-        <dsp:cNvSpPr/>
-      </dsp:nvSpPr>
-      <dsp:spPr>
-        <a:xfrm>
-          <a:off x="1742963" y="2066909"/>
-          <a:ext cx="335219" cy="392143"/>
-        </a:xfrm>
-        <a:prstGeom prst="rightArrow">
-          <a:avLst>
-            <a:gd name="adj1" fmla="val 60000"/>
-            <a:gd name="adj2" fmla="val 50000"/>
-          </a:avLst>
-        </a:prstGeom>
-        <a:gradFill rotWithShape="0">
-          <a:gsLst>
-            <a:gs pos="0">
-              <a:schemeClr val="accent1">
-                <a:tint val="60000"/>
-                <a:hueOff val="0"/>
-                <a:satOff val="0"/>
-                <a:lumOff val="0"/>
-                <a:alphaOff val="0"/>
-                <a:tint val="50000"/>
-                <a:satMod val="300000"/>
-              </a:schemeClr>
-            </a:gs>
-            <a:gs pos="35000">
-              <a:schemeClr val="accent1">
-                <a:tint val="60000"/>
-                <a:hueOff val="0"/>
-                <a:satOff val="0"/>
-                <a:lumOff val="0"/>
-                <a:alphaOff val="0"/>
-                <a:tint val="37000"/>
-                <a:satMod val="300000"/>
-              </a:schemeClr>
-            </a:gs>
-            <a:gs pos="100000">
-              <a:schemeClr val="accent1">
-                <a:tint val="60000"/>
-                <a:hueOff val="0"/>
-                <a:satOff val="0"/>
-                <a:lumOff val="0"/>
-                <a:alphaOff val="0"/>
-                <a:tint val="15000"/>
-                <a:satMod val="350000"/>
-              </a:schemeClr>
-            </a:gs>
-          </a:gsLst>
-          <a:lin ang="16200000" scaled="1"/>
-        </a:gradFill>
-        <a:ln>
-          <a:noFill/>
-        </a:ln>
-        <a:effectLst>
-          <a:outerShdw blurRad="40000" dist="20000" dir="5400000" rotWithShape="0">
-            <a:srgbClr val="000000">
-              <a:alpha val="38000"/>
-            </a:srgbClr>
-          </a:outerShdw>
-        </a:effectLst>
-      </dsp:spPr>
-      <dsp:style>
-        <a:lnRef idx="0">
-          <a:scrgbClr r="0" g="0" b="0"/>
-        </a:lnRef>
-        <a:fillRef idx="2">
-          <a:scrgbClr r="0" g="0" b="0"/>
-        </a:fillRef>
-        <a:effectRef idx="1">
-          <a:scrgbClr r="0" g="0" b="0"/>
-        </a:effectRef>
-        <a:fontRef idx="minor">
-          <a:schemeClr val="dk1"/>
-        </a:fontRef>
-      </dsp:style>
-      <dsp:txBody>
-        <a:bodyPr spcFirstLastPara="0" vert="horz" wrap="square" lIns="0" tIns="0" rIns="0" bIns="0" numCol="1" spcCol="1270" anchor="ctr" anchorCtr="0">
-          <a:noAutofit/>
-        </a:bodyPr>
-        <a:lstStyle/>
-        <a:p>
-          <a:pPr lvl="0" algn="ctr" defTabSz="666750">
-            <a:lnSpc>
-              <a:spcPct val="90000"/>
-            </a:lnSpc>
-            <a:spcBef>
-              <a:spcPct val="0"/>
-            </a:spcBef>
-            <a:spcAft>
-              <a:spcPct val="35000"/>
-            </a:spcAft>
-          </a:pPr>
-          <a:endParaRPr lang="en-US" sz="1500" kern="1200"/>
-        </a:p>
-      </dsp:txBody>
-      <dsp:txXfrm>
-        <a:off x="1742963" y="2145338"/>
-        <a:ext cx="234653" cy="235285"/>
-      </dsp:txXfrm>
-    </dsp:sp>
-    <dsp:sp modelId="{33C0FB07-CC25-744F-A945-56367076925A}">
-      <dsp:nvSpPr>
-        <dsp:cNvPr id="0" name=""/>
-        <dsp:cNvSpPr/>
-      </dsp:nvSpPr>
-      <dsp:spPr>
-        <a:xfrm>
-          <a:off x="2217330" y="1788614"/>
-          <a:ext cx="1581224" cy="948734"/>
-        </a:xfrm>
-        <a:prstGeom prst="rect">
-          <a:avLst/>
-        </a:prstGeom>
-        <a:gradFill rotWithShape="0">
-          <a:gsLst>
-            <a:gs pos="0">
-              <a:schemeClr val="accent1">
-                <a:hueOff val="0"/>
-                <a:satOff val="0"/>
-                <a:lumOff val="0"/>
-                <a:alphaOff val="0"/>
-                <a:tint val="50000"/>
-                <a:satMod val="300000"/>
-              </a:schemeClr>
-            </a:gs>
-            <a:gs pos="35000">
-              <a:schemeClr val="accent1">
-                <a:hueOff val="0"/>
-                <a:satOff val="0"/>
-                <a:lumOff val="0"/>
-                <a:alphaOff val="0"/>
-                <a:tint val="37000"/>
-                <a:satMod val="300000"/>
-              </a:schemeClr>
-            </a:gs>
-            <a:gs pos="100000">
-              <a:schemeClr val="accent1">
-                <a:hueOff val="0"/>
-                <a:satOff val="0"/>
-                <a:lumOff val="0"/>
-                <a:alphaOff val="0"/>
-                <a:tint val="15000"/>
-                <a:satMod val="350000"/>
-              </a:schemeClr>
-            </a:gs>
-          </a:gsLst>
-          <a:lin ang="16200000" scaled="1"/>
-        </a:gradFill>
-        <a:ln>
-          <a:noFill/>
-        </a:ln>
-        <a:effectLst>
-          <a:outerShdw blurRad="40000" dist="20000" dir="5400000" rotWithShape="0">
-            <a:srgbClr val="000000">
-              <a:alpha val="38000"/>
-            </a:srgbClr>
-          </a:outerShdw>
-        </a:effectLst>
-        <a:scene3d>
-          <a:camera prst="orthographicFront"/>
-          <a:lightRig rig="flat" dir="t"/>
-        </a:scene3d>
-        <a:sp3d prstMaterial="dkEdge">
-          <a:bevelT w="8200" h="38100"/>
-        </a:sp3d>
-      </dsp:spPr>
-      <dsp:style>
-        <a:lnRef idx="0">
-          <a:scrgbClr r="0" g="0" b="0"/>
-        </a:lnRef>
-        <a:fillRef idx="2">
-          <a:scrgbClr r="0" g="0" b="0"/>
-        </a:fillRef>
-        <a:effectRef idx="1">
-          <a:scrgbClr r="0" g="0" b="0"/>
-        </a:effectRef>
-        <a:fontRef idx="minor">
-          <a:schemeClr val="dk1"/>
-        </a:fontRef>
-      </dsp:style>
-      <dsp:txBody>
-        <a:bodyPr spcFirstLastPara="0" vert="horz" wrap="square" lIns="144780" tIns="144780" rIns="144780" bIns="144780" numCol="1" spcCol="1270" anchor="ctr" anchorCtr="0">
-          <a:noAutofit/>
-        </a:bodyPr>
-        <a:lstStyle/>
-        <a:p>
-          <a:pPr lvl="0" algn="ctr" defTabSz="1689100">
-            <a:lnSpc>
-              <a:spcPct val="90000"/>
-            </a:lnSpc>
-            <a:spcBef>
-              <a:spcPct val="0"/>
-            </a:spcBef>
-            <a:spcAft>
-              <a:spcPct val="35000"/>
-            </a:spcAft>
-          </a:pPr>
-          <a:r>
-            <a:rPr lang="en-US" sz="3800" kern="1200" dirty="0" smtClean="0"/>
-            <a:t>data</a:t>
-          </a:r>
-          <a:endParaRPr lang="en-US" sz="3800" kern="1200" dirty="0"/>
-        </a:p>
-      </dsp:txBody>
-      <dsp:txXfrm>
-        <a:off x="2217330" y="1788614"/>
-        <a:ext cx="1581224" cy="948734"/>
-      </dsp:txXfrm>
-    </dsp:sp>
-    <dsp:sp modelId="{043203E9-68AA-5A45-95B5-7E6CE8676566}">
-      <dsp:nvSpPr>
-        <dsp:cNvPr id="0" name=""/>
-        <dsp:cNvSpPr/>
-      </dsp:nvSpPr>
-      <dsp:spPr>
-        <a:xfrm>
-          <a:off x="3956677" y="2066909"/>
-          <a:ext cx="335219" cy="392143"/>
-        </a:xfrm>
-        <a:prstGeom prst="rightArrow">
-          <a:avLst>
-            <a:gd name="adj1" fmla="val 60000"/>
-            <a:gd name="adj2" fmla="val 50000"/>
-          </a:avLst>
-        </a:prstGeom>
-        <a:gradFill rotWithShape="0">
-          <a:gsLst>
-            <a:gs pos="0">
-              <a:schemeClr val="accent1">
-                <a:tint val="60000"/>
-                <a:hueOff val="0"/>
-                <a:satOff val="0"/>
-                <a:lumOff val="0"/>
-                <a:alphaOff val="0"/>
-                <a:tint val="50000"/>
-                <a:satMod val="300000"/>
-              </a:schemeClr>
-            </a:gs>
-            <a:gs pos="35000">
-              <a:schemeClr val="accent1">
-                <a:tint val="60000"/>
-                <a:hueOff val="0"/>
-                <a:satOff val="0"/>
-                <a:lumOff val="0"/>
-                <a:alphaOff val="0"/>
-                <a:tint val="37000"/>
-                <a:satMod val="300000"/>
-              </a:schemeClr>
-            </a:gs>
-            <a:gs pos="100000">
-              <a:schemeClr val="accent1">
-                <a:tint val="60000"/>
-                <a:hueOff val="0"/>
-                <a:satOff val="0"/>
-                <a:lumOff val="0"/>
-                <a:alphaOff val="0"/>
-                <a:tint val="15000"/>
-                <a:satMod val="350000"/>
-              </a:schemeClr>
-            </a:gs>
-          </a:gsLst>
-          <a:lin ang="16200000" scaled="1"/>
-        </a:gradFill>
-        <a:ln>
-          <a:noFill/>
-        </a:ln>
-        <a:effectLst>
-          <a:outerShdw blurRad="40000" dist="20000" dir="5400000" rotWithShape="0">
-            <a:srgbClr val="000000">
-              <a:alpha val="38000"/>
-            </a:srgbClr>
-          </a:outerShdw>
-        </a:effectLst>
-      </dsp:spPr>
-      <dsp:style>
-        <a:lnRef idx="0">
-          <a:scrgbClr r="0" g="0" b="0"/>
-        </a:lnRef>
-        <a:fillRef idx="2">
-          <a:scrgbClr r="0" g="0" b="0"/>
-        </a:fillRef>
-        <a:effectRef idx="1">
-          <a:scrgbClr r="0" g="0" b="0"/>
-        </a:effectRef>
-        <a:fontRef idx="minor">
-          <a:schemeClr val="dk1"/>
-        </a:fontRef>
-      </dsp:style>
-      <dsp:txBody>
-        <a:bodyPr spcFirstLastPara="0" vert="horz" wrap="square" lIns="0" tIns="0" rIns="0" bIns="0" numCol="1" spcCol="1270" anchor="ctr" anchorCtr="0">
-          <a:noAutofit/>
-        </a:bodyPr>
-        <a:lstStyle/>
-        <a:p>
-          <a:pPr lvl="0" algn="ctr" defTabSz="666750">
-            <a:lnSpc>
-              <a:spcPct val="90000"/>
-            </a:lnSpc>
-            <a:spcBef>
-              <a:spcPct val="0"/>
-            </a:spcBef>
-            <a:spcAft>
-              <a:spcPct val="35000"/>
-            </a:spcAft>
-          </a:pPr>
-          <a:endParaRPr lang="en-US" sz="1500" kern="1200"/>
-        </a:p>
-      </dsp:txBody>
-      <dsp:txXfrm>
-        <a:off x="3956677" y="2145338"/>
-        <a:ext cx="234653" cy="235285"/>
-      </dsp:txXfrm>
-    </dsp:sp>
-    <dsp:sp modelId="{BAC563B1-1690-534F-A261-EA24D4DFFF6F}">
-      <dsp:nvSpPr>
-        <dsp:cNvPr id="0" name=""/>
-        <dsp:cNvSpPr/>
-      </dsp:nvSpPr>
-      <dsp:spPr>
-        <a:xfrm>
-          <a:off x="4431044" y="1788614"/>
-          <a:ext cx="1581224" cy="948734"/>
-        </a:xfrm>
-        <a:prstGeom prst="roundRect">
-          <a:avLst>
-            <a:gd name="adj" fmla="val 10000"/>
-          </a:avLst>
-        </a:prstGeom>
-        <a:gradFill rotWithShape="0">
-          <a:gsLst>
-            <a:gs pos="0">
-              <a:schemeClr val="accent1">
-                <a:hueOff val="0"/>
-                <a:satOff val="0"/>
-                <a:lumOff val="0"/>
-                <a:alphaOff val="0"/>
-                <a:tint val="50000"/>
-                <a:satMod val="300000"/>
-              </a:schemeClr>
-            </a:gs>
-            <a:gs pos="35000">
-              <a:schemeClr val="accent1">
-                <a:hueOff val="0"/>
-                <a:satOff val="0"/>
-                <a:lumOff val="0"/>
-                <a:alphaOff val="0"/>
-                <a:tint val="37000"/>
-                <a:satMod val="300000"/>
-              </a:schemeClr>
-            </a:gs>
-            <a:gs pos="100000">
-              <a:schemeClr val="accent1">
-                <a:hueOff val="0"/>
-                <a:satOff val="0"/>
-                <a:lumOff val="0"/>
-                <a:alphaOff val="0"/>
-                <a:tint val="15000"/>
-                <a:satMod val="350000"/>
-              </a:schemeClr>
-            </a:gs>
-          </a:gsLst>
-          <a:lin ang="16200000" scaled="1"/>
-        </a:gradFill>
-        <a:ln>
-          <a:noFill/>
-        </a:ln>
-        <a:effectLst>
-          <a:outerShdw blurRad="40000" dist="20000" dir="5400000" rotWithShape="0">
-            <a:srgbClr val="000000">
-              <a:alpha val="38000"/>
-            </a:srgbClr>
-          </a:outerShdw>
-        </a:effectLst>
-        <a:scene3d>
-          <a:camera prst="orthographicFront"/>
-          <a:lightRig rig="flat" dir="t"/>
-        </a:scene3d>
-        <a:sp3d prstMaterial="dkEdge">
-          <a:bevelT w="8200" h="38100"/>
-        </a:sp3d>
-      </dsp:spPr>
-      <dsp:style>
-        <a:lnRef idx="0">
-          <a:scrgbClr r="0" g="0" b="0"/>
-        </a:lnRef>
-        <a:fillRef idx="2">
-          <a:scrgbClr r="0" g="0" b="0"/>
-        </a:fillRef>
-        <a:effectRef idx="1">
-          <a:scrgbClr r="0" g="0" b="0"/>
-        </a:effectRef>
-        <a:fontRef idx="minor">
-          <a:schemeClr val="dk1"/>
-        </a:fontRef>
-      </dsp:style>
-      <dsp:txBody>
-        <a:bodyPr spcFirstLastPara="0" vert="horz" wrap="square" lIns="144780" tIns="144780" rIns="144780" bIns="144780" numCol="1" spcCol="1270" anchor="ctr" anchorCtr="0">
-          <a:noAutofit/>
-        </a:bodyPr>
-        <a:lstStyle/>
-        <a:p>
-          <a:pPr lvl="0" algn="ctr" defTabSz="1689100">
-            <a:lnSpc>
-              <a:spcPct val="90000"/>
-            </a:lnSpc>
-            <a:spcBef>
-              <a:spcPct val="0"/>
-            </a:spcBef>
-            <a:spcAft>
-              <a:spcPct val="35000"/>
-            </a:spcAft>
-          </a:pPr>
-          <a:r>
-            <a:rPr lang="en-US" sz="3800" kern="1200" dirty="0" smtClean="0"/>
-            <a:t>data</a:t>
-          </a:r>
-          <a:endParaRPr lang="en-US" sz="3800" kern="1200" dirty="0"/>
-        </a:p>
-      </dsp:txBody>
-      <dsp:txXfrm>
-        <a:off x="4458831" y="1816401"/>
-        <a:ext cx="1525650" cy="893160"/>
-      </dsp:txXfrm>
-    </dsp:sp>
-    <dsp:sp modelId="{929B0D30-AD9C-4845-910F-EC54EA96745A}">
-      <dsp:nvSpPr>
-        <dsp:cNvPr id="0" name=""/>
-        <dsp:cNvSpPr/>
-      </dsp:nvSpPr>
-      <dsp:spPr>
-        <a:xfrm>
-          <a:off x="6170391" y="2066909"/>
-          <a:ext cx="335219" cy="392143"/>
-        </a:xfrm>
-        <a:prstGeom prst="rightArrow">
-          <a:avLst>
-            <a:gd name="adj1" fmla="val 60000"/>
-            <a:gd name="adj2" fmla="val 50000"/>
-          </a:avLst>
-        </a:prstGeom>
-        <a:gradFill rotWithShape="0">
-          <a:gsLst>
-            <a:gs pos="0">
-              <a:schemeClr val="accent1">
-                <a:tint val="60000"/>
-                <a:hueOff val="0"/>
-                <a:satOff val="0"/>
-                <a:lumOff val="0"/>
-                <a:alphaOff val="0"/>
-                <a:tint val="50000"/>
-                <a:satMod val="300000"/>
-              </a:schemeClr>
-            </a:gs>
-            <a:gs pos="35000">
-              <a:schemeClr val="accent1">
-                <a:tint val="60000"/>
-                <a:hueOff val="0"/>
-                <a:satOff val="0"/>
-                <a:lumOff val="0"/>
-                <a:alphaOff val="0"/>
-                <a:tint val="37000"/>
-                <a:satMod val="300000"/>
-              </a:schemeClr>
-            </a:gs>
-            <a:gs pos="100000">
-              <a:schemeClr val="accent1">
-                <a:tint val="60000"/>
-                <a:hueOff val="0"/>
-                <a:satOff val="0"/>
-                <a:lumOff val="0"/>
-                <a:alphaOff val="0"/>
-                <a:tint val="15000"/>
-                <a:satMod val="350000"/>
-              </a:schemeClr>
-            </a:gs>
-          </a:gsLst>
-          <a:lin ang="16200000" scaled="1"/>
-        </a:gradFill>
-        <a:ln>
-          <a:noFill/>
-        </a:ln>
-        <a:effectLst>
-          <a:outerShdw blurRad="40000" dist="20000" dir="5400000" rotWithShape="0">
-            <a:srgbClr val="000000">
-              <a:alpha val="38000"/>
-            </a:srgbClr>
-          </a:outerShdw>
-        </a:effectLst>
-      </dsp:spPr>
-      <dsp:style>
-        <a:lnRef idx="0">
-          <a:scrgbClr r="0" g="0" b="0"/>
-        </a:lnRef>
-        <a:fillRef idx="2">
-          <a:scrgbClr r="0" g="0" b="0"/>
-        </a:fillRef>
-        <a:effectRef idx="1">
-          <a:scrgbClr r="0" g="0" b="0"/>
-        </a:effectRef>
-        <a:fontRef idx="minor">
-          <a:schemeClr val="dk1"/>
-        </a:fontRef>
-      </dsp:style>
-      <dsp:txBody>
-        <a:bodyPr spcFirstLastPara="0" vert="horz" wrap="square" lIns="0" tIns="0" rIns="0" bIns="0" numCol="1" spcCol="1270" anchor="ctr" anchorCtr="0">
-          <a:noAutofit/>
-        </a:bodyPr>
-        <a:lstStyle/>
-        <a:p>
-          <a:pPr lvl="0" algn="ctr" defTabSz="666750">
-            <a:lnSpc>
-              <a:spcPct val="90000"/>
-            </a:lnSpc>
-            <a:spcBef>
-              <a:spcPct val="0"/>
-            </a:spcBef>
-            <a:spcAft>
-              <a:spcPct val="35000"/>
-            </a:spcAft>
-          </a:pPr>
-          <a:endParaRPr lang="en-US" sz="1500" kern="1200"/>
-        </a:p>
-      </dsp:txBody>
-      <dsp:txXfrm>
-        <a:off x="6170391" y="2145338"/>
-        <a:ext cx="234653" cy="235285"/>
-      </dsp:txXfrm>
-    </dsp:sp>
-    <dsp:sp modelId="{8431A503-3519-7544-A9F9-DB22A42E0B93}">
-      <dsp:nvSpPr>
-        <dsp:cNvPr id="0" name=""/>
-        <dsp:cNvSpPr/>
-      </dsp:nvSpPr>
-      <dsp:spPr>
-        <a:xfrm>
-          <a:off x="6644759" y="1788614"/>
-          <a:ext cx="1581224" cy="948734"/>
-        </a:xfrm>
-        <a:prstGeom prst="roundRect">
-          <a:avLst>
-            <a:gd name="adj" fmla="val 10000"/>
-          </a:avLst>
-        </a:prstGeom>
-        <a:noFill/>
-        <a:ln>
-          <a:noFill/>
-        </a:ln>
-        <a:effectLst>
-          <a:outerShdw blurRad="40000" dist="20000" dir="5400000" rotWithShape="0">
-            <a:srgbClr val="000000">
-              <a:alpha val="38000"/>
-            </a:srgbClr>
-          </a:outerShdw>
-        </a:effectLst>
-        <a:scene3d>
-          <a:camera prst="orthographicFront"/>
-          <a:lightRig rig="flat" dir="t"/>
-        </a:scene3d>
-        <a:sp3d prstMaterial="dkEdge">
-          <a:bevelT w="8200" h="38100"/>
-        </a:sp3d>
-      </dsp:spPr>
-      <dsp:style>
-        <a:lnRef idx="0">
-          <a:scrgbClr r="0" g="0" b="0"/>
-        </a:lnRef>
-        <a:fillRef idx="2">
-          <a:scrgbClr r="0" g="0" b="0"/>
-        </a:fillRef>
-        <a:effectRef idx="1">
-          <a:scrgbClr r="0" g="0" b="0"/>
-        </a:effectRef>
-        <a:fontRef idx="minor">
-          <a:schemeClr val="dk1"/>
-        </a:fontRef>
-      </dsp:style>
-      <dsp:txBody>
-        <a:bodyPr spcFirstLastPara="0" vert="horz" wrap="square" lIns="144780" tIns="144780" rIns="144780" bIns="144780" numCol="1" spcCol="1270" anchor="ctr" anchorCtr="0">
-          <a:noAutofit/>
-        </a:bodyPr>
-        <a:lstStyle/>
-        <a:p>
-          <a:pPr lvl="0" algn="ctr" defTabSz="1689100">
-            <a:lnSpc>
-              <a:spcPct val="90000"/>
-            </a:lnSpc>
-            <a:spcBef>
-              <a:spcPct val="0"/>
-            </a:spcBef>
-            <a:spcAft>
-              <a:spcPct val="35000"/>
-            </a:spcAft>
-          </a:pPr>
-          <a:r>
-            <a:rPr lang="en-US" sz="3800" kern="1200" dirty="0" smtClean="0"/>
-            <a:t>None</a:t>
-          </a:r>
-          <a:endParaRPr lang="en-US" sz="3800" kern="1200" dirty="0"/>
-        </a:p>
-      </dsp:txBody>
-      <dsp:txXfrm>
-        <a:off x="6672546" y="1816401"/>
-        <a:ext cx="1525650" cy="893160"/>
-      </dsp:txXfrm>
-    </dsp:sp>
   </dsp:spTree>
 </dsp:drawing>
 </file>
@@ -15835,7 +14933,7 @@
           <a:p>
             <a:fld id="{48D9D42A-2489-9F40-AAF7-EE842D25F47D}" type="datetimeFigureOut">
               <a:rPr lang="en-US" smtClean="0"/>
-              <a:t>11/16/2017</a:t>
+              <a:t>11/17/2017</a:t>
             </a:fld>
             <a:endParaRPr lang="en-US"/>
           </a:p>
@@ -16259,11 +15357,7 @@
           <a:p>
             <a:r>
               <a:rPr lang="en-US" dirty="0" smtClean="0"/>
-              <a:t>None in </a:t>
-            </a:r>
-            <a:r>
-              <a:rPr lang="en-US" dirty="0" smtClean="0"/>
-              <a:t>python</a:t>
+              <a:t>None in python</a:t>
             </a:r>
           </a:p>
           <a:p>
@@ -16476,11 +15570,7 @@
           <a:p>
             <a:r>
               <a:rPr lang="en-US" dirty="0" smtClean="0"/>
-              <a:t>A </a:t>
-            </a:r>
-            <a:r>
-              <a:rPr lang="en-US" dirty="0" smtClean="0"/>
-              <a:t>singly linked list is a list with only one pointer between two successive nodes </a:t>
+              <a:t>A singly linked list is a list with only one pointer between two successive nodes </a:t>
             </a:r>
           </a:p>
           <a:p>
@@ -17183,7 +16273,7 @@
           <a:p>
             <a:fld id="{0C011AF8-8ED3-614B-9D8C-B1AFEC134926}" type="slidenum">
               <a:rPr lang="en-US" smtClean="0"/>
-              <a:t>23</a:t>
+              <a:t>24</a:t>
             </a:fld>
             <a:endParaRPr lang="en-US"/>
           </a:p>
@@ -17267,7 +16357,7 @@
           <a:p>
             <a:fld id="{0C011AF8-8ED3-614B-9D8C-B1AFEC134926}" type="slidenum">
               <a:rPr lang="en-US" smtClean="0"/>
-              <a:t>24</a:t>
+              <a:t>25</a:t>
             </a:fld>
             <a:endParaRPr lang="en-US"/>
           </a:p>
@@ -20599,15 +19689,7 @@
           <a:p>
             <a:r>
               <a:rPr lang="en-US" dirty="0" smtClean="0"/>
-              <a:t>Welcome to Python and </a:t>
-            </a:r>
-            <a:r>
-              <a:rPr lang="en-US" dirty="0" smtClean="0"/>
-              <a:t>Singly </a:t>
-            </a:r>
-            <a:r>
-              <a:rPr lang="en-US" dirty="0" smtClean="0"/>
-              <a:t>Linked Lists</a:t>
+              <a:t>Welcome to Python and Singly Linked Lists</a:t>
             </a:r>
             <a:endParaRPr lang="en-US" dirty="0"/>
           </a:p>
@@ -20966,11 +20048,7 @@
           <a:p>
             <a:r>
               <a:rPr lang="en-US" dirty="0" smtClean="0"/>
-              <a:t>node </a:t>
-            </a:r>
-            <a:r>
-              <a:rPr lang="en-US" dirty="0" smtClean="0"/>
-              <a:t>class</a:t>
+              <a:t>node class</a:t>
             </a:r>
             <a:endParaRPr lang="en-US" dirty="0"/>
           </a:p>
@@ -22964,7 +22042,7 @@
 </file>
 
 <file path=ppt/slides/slide19.xml><?xml version="1.0" encoding="utf-8"?>
-<p:sld xmlns:a="http://schemas.openxmlformats.org/drawingml/2006/main" xmlns:r="http://schemas.openxmlformats.org/officeDocument/2006/relationships" xmlns:p="http://schemas.openxmlformats.org/presentationml/2006/main" show="0">
+<p:sld xmlns:a="http://schemas.openxmlformats.org/drawingml/2006/main" xmlns:r="http://schemas.openxmlformats.org/officeDocument/2006/relationships" xmlns:p="http://schemas.openxmlformats.org/presentationml/2006/main">
   <p:cSld>
     <p:spTree>
       <p:nvGrpSpPr>
@@ -22997,11 +22075,7 @@
           <a:p>
             <a:r>
               <a:rPr lang="en-US" dirty="0" smtClean="0"/>
-              <a:t>Other types </a:t>
-            </a:r>
-            <a:r>
-              <a:rPr lang="en-US" dirty="0" smtClean="0"/>
-              <a:t>of linked lists</a:t>
+              <a:t>Python Terms</a:t>
             </a:r>
             <a:endParaRPr lang="en-US" dirty="0"/>
           </a:p>
@@ -23019,24 +22093,80 @@
         </p:nvSpPr>
         <p:spPr/>
         <p:txBody>
-          <a:bodyPr/>
+          <a:bodyPr>
+            <a:normAutofit fontScale="92500" lnSpcReduction="20000"/>
+          </a:bodyPr>
           <a:lstStyle/>
           <a:p>
             <a:r>
+              <a:rPr lang="en-US" dirty="0"/>
+              <a:t>Notes on Python Concepts</a:t>
+            </a:r>
+          </a:p>
+          <a:p>
+            <a:pPr lvl="0"/>
+            <a:r>
+              <a:rPr lang="en-US" dirty="0"/>
+              <a:t>Class is a blue print for building the object</a:t>
+            </a:r>
+          </a:p>
+          <a:p>
+            <a:pPr lvl="0"/>
+            <a:r>
+              <a:rPr lang="en-US" dirty="0"/>
+              <a:t>Method is a function (use this word for Python)</a:t>
+            </a:r>
+          </a:p>
+          <a:p>
+            <a:pPr lvl="0"/>
+            <a:r>
+              <a:rPr lang="en-US" dirty="0"/>
+              <a:t>Constructor is a method that instantiates an object using definition found within the class</a:t>
+            </a:r>
+          </a:p>
+          <a:p>
+            <a:pPr lvl="0"/>
+            <a:r>
+              <a:rPr lang="en-US" dirty="0"/>
+              <a:t>Every class must have a constructor (even if built by Python by default)</a:t>
+            </a:r>
+          </a:p>
+          <a:p>
+            <a:pPr lvl="0"/>
+            <a:r>
+              <a:rPr lang="en-US" dirty="0"/>
+              <a:t>Built in class attributes such as __</a:t>
+            </a:r>
+            <a:r>
+              <a:rPr lang="en-US" dirty="0" err="1"/>
+              <a:t>init</a:t>
+            </a:r>
+            <a:r>
+              <a:rPr lang="en-US" dirty="0"/>
+              <a:t>__ or __class___</a:t>
+            </a:r>
+          </a:p>
+          <a:p>
+            <a:pPr lvl="0"/>
+            <a:r>
+              <a:rPr lang="en-US" dirty="0"/>
+              <a:t>Instance is an object created from blueprints provided by a class</a:t>
+            </a:r>
+          </a:p>
+          <a:p>
+            <a:r>
+              <a:rPr lang="en-US" dirty="0"/>
+              <a:t> </a:t>
+            </a:r>
+          </a:p>
+          <a:p>
+            <a:r>
+              <a:rPr lang="en-US" dirty="0"/>
+              <a:t>Reference:  Mueller, John Paul, 2014, “Beginning Programming with Python”, John Wiley &amp; Sons Hoboken, New </a:t>
+            </a:r>
+            <a:r>
               <a:rPr lang="en-US" dirty="0" smtClean="0"/>
-              <a:t>Singly</a:t>
-            </a:r>
-          </a:p>
-          <a:p>
-            <a:r>
-              <a:rPr lang="en-US" dirty="0" smtClean="0"/>
-              <a:t>Doubly  - Not discussed today</a:t>
-            </a:r>
-          </a:p>
-          <a:p>
-            <a:r>
-              <a:rPr lang="en-US" dirty="0" smtClean="0"/>
-              <a:t>Circular – Not discussed today</a:t>
+              <a:t>Jersey</a:t>
             </a:r>
             <a:endParaRPr lang="en-US" dirty="0"/>
           </a:p>
@@ -23115,28 +22245,13 @@
     </p:spTree>
     <p:extLst>
       <p:ext uri="{BB962C8B-B14F-4D97-AF65-F5344CB8AC3E}">
-        <p14:creationId xmlns:p14="http://schemas.microsoft.com/office/powerpoint/2010/main" val="1285181512"/>
+        <p14:creationId xmlns:p14="http://schemas.microsoft.com/office/powerpoint/2010/main" val="2068699689"/>
       </p:ext>
     </p:extLst>
   </p:cSld>
   <p:clrMapOvr>
     <a:masterClrMapping/>
   </p:clrMapOvr>
-  <mc:AlternateContent xmlns:mc="http://schemas.openxmlformats.org/markup-compatibility/2006">
-    <mc:Choice xmlns:p14="http://schemas.microsoft.com/office/powerpoint/2010/main" Requires="p14">
-      <p:transition spd="slow" p14:dur="2000"/>
-    </mc:Choice>
-    <mc:Fallback>
-      <p:transition spd="slow"/>
-    </mc:Fallback>
-  </mc:AlternateContent>
-  <p:timing>
-    <p:tnLst>
-      <p:par>
-        <p:cTn id="1" dur="indefinite" restart="never" nodeType="tmRoot"/>
-      </p:par>
-    </p:tnLst>
-  </p:timing>
 </p:sld>
 </file>
 
@@ -23410,7 +22525,7 @@
           <a:p>
             <a:r>
               <a:rPr lang="en-US" dirty="0" smtClean="0"/>
-              <a:t>Notes</a:t>
+              <a:t>Other types of linked lists</a:t>
             </a:r>
             <a:endParaRPr lang="en-US" dirty="0"/>
           </a:p>
@@ -23428,147 +22543,26 @@
         </p:nvSpPr>
         <p:spPr/>
         <p:txBody>
-          <a:bodyPr>
-            <a:normAutofit fontScale="77500" lnSpcReduction="20000"/>
-          </a:bodyPr>
+          <a:bodyPr/>
           <a:lstStyle/>
           <a:p>
             <a:r>
-              <a:rPr lang="en-US" dirty="0"/>
-              <a:t>Overview of data types and objects</a:t>
-            </a:r>
-          </a:p>
-          <a:p>
-            <a:r>
-              <a:rPr lang="en-US" dirty="0"/>
-              <a:t>Python contains 12 built-in data types. These include four numeric types (</a:t>
-            </a:r>
-            <a:r>
-              <a:rPr lang="en-US" dirty="0" err="1"/>
-              <a:t>int</a:t>
-            </a:r>
-            <a:r>
-              <a:rPr lang="en-US" dirty="0"/>
-              <a:t>, float, complex, </a:t>
-            </a:r>
-            <a:r>
-              <a:rPr lang="en-US" dirty="0" err="1"/>
-              <a:t>bool</a:t>
-            </a:r>
-            <a:r>
-              <a:rPr lang="en-US" dirty="0"/>
-              <a:t>), four sequence types (</a:t>
-            </a:r>
-            <a:r>
-              <a:rPr lang="en-US" dirty="0" err="1"/>
-              <a:t>str</a:t>
-            </a:r>
-            <a:r>
-              <a:rPr lang="en-US" dirty="0"/>
-              <a:t>, list, tuple, range), one mapping type (</a:t>
-            </a:r>
-            <a:r>
-              <a:rPr lang="en-US" dirty="0" err="1"/>
-              <a:t>dict</a:t>
-            </a:r>
-            <a:r>
-              <a:rPr lang="en-US" dirty="0"/>
-              <a:t>), and two set types. It is also possible to create user-defined objects such as functions or </a:t>
-            </a:r>
-            <a:r>
               <a:rPr lang="en-US" dirty="0" smtClean="0"/>
-              <a:t>classes.</a:t>
+              <a:t>Singly</a:t>
+            </a:r>
+          </a:p>
+          <a:p>
+            <a:r>
+              <a:rPr lang="en-US" dirty="0" smtClean="0"/>
+              <a:t>Doubly  - Not discussed today</a:t>
+            </a:r>
+          </a:p>
+          <a:p>
+            <a:r>
+              <a:rPr lang="en-US" dirty="0" smtClean="0"/>
+              <a:t>Circular – Not discussed today</a:t>
             </a:r>
             <a:endParaRPr lang="en-US" dirty="0"/>
-          </a:p>
-          <a:p>
-            <a:r>
-              <a:rPr lang="en-US" dirty="0"/>
-              <a:t>All data types in Python are </a:t>
-            </a:r>
-            <a:r>
-              <a:rPr lang="en-US" b="1" dirty="0" smtClean="0"/>
-              <a:t>objects</a:t>
-            </a:r>
-            <a:r>
-              <a:rPr lang="en-US" dirty="0" smtClean="0"/>
-              <a:t>, </a:t>
-            </a:r>
-            <a:r>
-              <a:rPr lang="en-US" dirty="0"/>
-              <a:t>including modules, classes, and functions, </a:t>
-            </a:r>
-            <a:r>
-              <a:rPr lang="en-US" dirty="0" smtClean="0"/>
-              <a:t>and literals </a:t>
-            </a:r>
-            <a:r>
-              <a:rPr lang="en-US" dirty="0"/>
-              <a:t>such as strings and </a:t>
-            </a:r>
-            <a:r>
-              <a:rPr lang="en-US" dirty="0" smtClean="0"/>
-              <a:t>integers.</a:t>
-            </a:r>
-          </a:p>
-          <a:p>
-            <a:r>
-              <a:rPr lang="en-US" dirty="0" smtClean="0"/>
-              <a:t>Each </a:t>
-            </a:r>
-            <a:r>
-              <a:rPr lang="en-US" dirty="0"/>
-              <a:t>object in Python has a </a:t>
-            </a:r>
-            <a:r>
-              <a:rPr lang="en-US" b="1" dirty="0"/>
-              <a:t>type</a:t>
-            </a:r>
-            <a:r>
-              <a:rPr lang="en-US" dirty="0"/>
-              <a:t>, a </a:t>
-            </a:r>
-            <a:r>
-              <a:rPr lang="en-US" b="1" dirty="0"/>
-              <a:t>value,</a:t>
-            </a:r>
-            <a:r>
-              <a:rPr lang="en-US" dirty="0"/>
-              <a:t> and an </a:t>
-            </a:r>
-            <a:r>
-              <a:rPr lang="en-US" b="1" dirty="0"/>
-              <a:t>identity</a:t>
-            </a:r>
-            <a:r>
-              <a:rPr lang="en-US" dirty="0"/>
-              <a:t>. When we write greet = "hello world" we are creating an instance of a string object with the value "hello world" and the identity of </a:t>
-            </a:r>
-            <a:r>
-              <a:rPr lang="en-US" dirty="0" smtClean="0"/>
-              <a:t>greet.</a:t>
-            </a:r>
-          </a:p>
-          <a:p>
-            <a:r>
-              <a:rPr lang="en-US" dirty="0" smtClean="0"/>
-              <a:t>The </a:t>
-            </a:r>
-            <a:r>
-              <a:rPr lang="en-US" dirty="0"/>
-              <a:t>identity of an object acts as a pointer to the object's location in memory. The type of an object, also known as the object's class, describes the object's internal representation as well as the methods and operations it supports. </a:t>
-            </a:r>
-            <a:endParaRPr lang="en-US" dirty="0" smtClean="0"/>
-          </a:p>
-          <a:p>
-            <a:r>
-              <a:rPr lang="en-US" dirty="0" smtClean="0"/>
-              <a:t>Once </a:t>
-            </a:r>
-            <a:r>
-              <a:rPr lang="en-US" dirty="0"/>
-              <a:t>an instance of an object is created, its identity and type cannot be changed.</a:t>
-            </a:r>
           </a:p>
         </p:txBody>
       </p:sp>
@@ -23645,18 +22639,18 @@
     </p:spTree>
     <p:extLst>
       <p:ext uri="{BB962C8B-B14F-4D97-AF65-F5344CB8AC3E}">
-        <p14:creationId xmlns:p14="http://schemas.microsoft.com/office/powerpoint/2010/main" val="287653299"/>
+        <p14:creationId xmlns:p14="http://schemas.microsoft.com/office/powerpoint/2010/main" val="1285181512"/>
       </p:ext>
     </p:extLst>
   </p:cSld>
   <p:clrMapOvr>
     <a:masterClrMapping/>
   </p:clrMapOvr>
-  <mc:AlternateContent xmlns:mc="http://schemas.openxmlformats.org/markup-compatibility/2006">
-    <mc:Choice xmlns:p14="http://schemas.microsoft.com/office/powerpoint/2010/main" Requires="p14">
+  <mc:AlternateContent xmlns:mc="http://schemas.openxmlformats.org/markup-compatibility/2006" xmlns:p14="http://schemas.microsoft.com/office/powerpoint/2010/main">
+    <mc:Choice Requires="p14">
       <p:transition spd="slow" p14:dur="2000"/>
     </mc:Choice>
-    <mc:Fallback>
+    <mc:Fallback xmlns="">
       <p:transition spd="slow"/>
     </mc:Fallback>
   </mc:AlternateContent>
@@ -23704,34 +22698,171 @@
           <a:p>
             <a:r>
               <a:rPr lang="en-US" dirty="0" smtClean="0"/>
-              <a:t>Array Vs. Linked List</a:t>
+              <a:t>Notes</a:t>
             </a:r>
             <a:endParaRPr lang="en-US" dirty="0"/>
           </a:p>
         </p:txBody>
       </p:sp>
-      <p:pic>
-        <p:nvPicPr>
-          <p:cNvPr id="4" name="Content Placeholder 3"/>
-          <p:cNvPicPr>
-            <a:picLocks noGrp="1" noChangeAspect="1"/>
-          </p:cNvPicPr>
+      <p:sp>
+        <p:nvSpPr>
+          <p:cNvPr id="3" name="Content Placeholder 2"/>
+          <p:cNvSpPr>
+            <a:spLocks noGrp="1"/>
+          </p:cNvSpPr>
           <p:nvPr>
             <p:ph idx="1"/>
           </p:nvPr>
-        </p:nvPicPr>
-        <p:blipFill>
-          <a:blip r:embed="rId2"/>
-          <a:srcRect t="-6626" b="-6626"/>
-          <a:stretch>
-            <a:fillRect/>
-          </a:stretch>
-        </p:blipFill>
+        </p:nvSpPr>
         <p:spPr/>
-      </p:pic>
+        <p:txBody>
+          <a:bodyPr>
+            <a:normAutofit fontScale="77500" lnSpcReduction="20000"/>
+          </a:bodyPr>
+          <a:lstStyle/>
+          <a:p>
+            <a:r>
+              <a:rPr lang="en-US" dirty="0"/>
+              <a:t>Overview of data types and objects</a:t>
+            </a:r>
+          </a:p>
+          <a:p>
+            <a:r>
+              <a:rPr lang="en-US" dirty="0"/>
+              <a:t>Python contains 12 built-in data types. These include four numeric types (</a:t>
+            </a:r>
+            <a:r>
+              <a:rPr lang="en-US" dirty="0" err="1"/>
+              <a:t>int</a:t>
+            </a:r>
+            <a:r>
+              <a:rPr lang="en-US" dirty="0"/>
+              <a:t>, float, complex, </a:t>
+            </a:r>
+            <a:r>
+              <a:rPr lang="en-US" dirty="0" err="1"/>
+              <a:t>bool</a:t>
+            </a:r>
+            <a:r>
+              <a:rPr lang="en-US" dirty="0"/>
+              <a:t>), four sequence types (</a:t>
+            </a:r>
+            <a:r>
+              <a:rPr lang="en-US" dirty="0" err="1"/>
+              <a:t>str</a:t>
+            </a:r>
+            <a:r>
+              <a:rPr lang="en-US" dirty="0"/>
+              <a:t>, list, tuple, range), one mapping type (</a:t>
+            </a:r>
+            <a:r>
+              <a:rPr lang="en-US" dirty="0" err="1"/>
+              <a:t>dict</a:t>
+            </a:r>
+            <a:r>
+              <a:rPr lang="en-US" dirty="0"/>
+              <a:t>), and two set types. It is also possible to create user-defined objects such as functions or </a:t>
+            </a:r>
+            <a:r>
+              <a:rPr lang="en-US" dirty="0" smtClean="0"/>
+              <a:t>classes.</a:t>
+            </a:r>
+            <a:endParaRPr lang="en-US" dirty="0"/>
+          </a:p>
+          <a:p>
+            <a:r>
+              <a:rPr lang="en-US" dirty="0"/>
+              <a:t>All data types in Python are </a:t>
+            </a:r>
+            <a:r>
+              <a:rPr lang="en-US" b="1" dirty="0" smtClean="0"/>
+              <a:t>objects</a:t>
+            </a:r>
+            <a:r>
+              <a:rPr lang="en-US" dirty="0" smtClean="0"/>
+              <a:t>, </a:t>
+            </a:r>
+            <a:r>
+              <a:rPr lang="en-US" dirty="0"/>
+              <a:t>including modules, classes, and functions, </a:t>
+            </a:r>
+            <a:r>
+              <a:rPr lang="en-US" dirty="0" smtClean="0"/>
+              <a:t>and literals </a:t>
+            </a:r>
+            <a:r>
+              <a:rPr lang="en-US" dirty="0"/>
+              <a:t>such as strings and </a:t>
+            </a:r>
+            <a:r>
+              <a:rPr lang="en-US" dirty="0" smtClean="0"/>
+              <a:t>integers.</a:t>
+            </a:r>
+          </a:p>
+          <a:p>
+            <a:r>
+              <a:rPr lang="en-US" dirty="0" smtClean="0"/>
+              <a:t>Each </a:t>
+            </a:r>
+            <a:r>
+              <a:rPr lang="en-US" dirty="0"/>
+              <a:t>object in Python has a </a:t>
+            </a:r>
+            <a:r>
+              <a:rPr lang="en-US" b="1" dirty="0"/>
+              <a:t>type</a:t>
+            </a:r>
+            <a:r>
+              <a:rPr lang="en-US" dirty="0"/>
+              <a:t>, a </a:t>
+            </a:r>
+            <a:r>
+              <a:rPr lang="en-US" b="1" dirty="0"/>
+              <a:t>value,</a:t>
+            </a:r>
+            <a:r>
+              <a:rPr lang="en-US" dirty="0"/>
+              <a:t> and an </a:t>
+            </a:r>
+            <a:r>
+              <a:rPr lang="en-US" b="1" dirty="0"/>
+              <a:t>identity</a:t>
+            </a:r>
+            <a:r>
+              <a:rPr lang="en-US" dirty="0"/>
+              <a:t>. When we write greet = "hello world" we are creating an instance of a string object with the value "hello world" and the identity of </a:t>
+            </a:r>
+            <a:r>
+              <a:rPr lang="en-US" dirty="0" smtClean="0"/>
+              <a:t>greet.</a:t>
+            </a:r>
+          </a:p>
+          <a:p>
+            <a:r>
+              <a:rPr lang="en-US" dirty="0" smtClean="0"/>
+              <a:t>The </a:t>
+            </a:r>
+            <a:r>
+              <a:rPr lang="en-US" dirty="0"/>
+              <a:t>identity of an object acts as a pointer to the object's location in memory. The type of an object, also known as the object's class, describes the object's internal representation as well as the methods and operations it supports. </a:t>
+            </a:r>
+            <a:endParaRPr lang="en-US" dirty="0" smtClean="0"/>
+          </a:p>
+          <a:p>
+            <a:r>
+              <a:rPr lang="en-US" dirty="0" smtClean="0"/>
+              <a:t>Once </a:t>
+            </a:r>
+            <a:r>
+              <a:rPr lang="en-US" dirty="0"/>
+              <a:t>an instance of an object is created, its identity and type cannot be changed.</a:t>
+            </a:r>
+          </a:p>
+        </p:txBody>
+      </p:sp>
       <p:sp>
         <p:nvSpPr>
-          <p:cNvPr id="3" name="Date Placeholder 2"/>
+          <p:cNvPr id="4" name="Date Placeholder 3"/>
           <p:cNvSpPr>
             <a:spLocks noGrp="1"/>
           </p:cNvSpPr>
@@ -23802,18 +22933,18 @@
     </p:spTree>
     <p:extLst>
       <p:ext uri="{BB962C8B-B14F-4D97-AF65-F5344CB8AC3E}">
-        <p14:creationId xmlns:p14="http://schemas.microsoft.com/office/powerpoint/2010/main" val="3313946135"/>
+        <p14:creationId xmlns:p14="http://schemas.microsoft.com/office/powerpoint/2010/main" val="287653299"/>
       </p:ext>
     </p:extLst>
   </p:cSld>
   <p:clrMapOvr>
     <a:masterClrMapping/>
   </p:clrMapOvr>
-  <mc:AlternateContent xmlns:mc="http://schemas.openxmlformats.org/markup-compatibility/2006">
-    <mc:Choice xmlns:p14="http://schemas.microsoft.com/office/powerpoint/2010/main" Requires="p14">
+  <mc:AlternateContent xmlns:mc="http://schemas.openxmlformats.org/markup-compatibility/2006" xmlns:p14="http://schemas.microsoft.com/office/powerpoint/2010/main">
+    <mc:Choice Requires="p14">
       <p:transition spd="slow" p14:dur="2000"/>
     </mc:Choice>
-    <mc:Fallback>
+    <mc:Fallback xmlns="">
       <p:transition spd="slow"/>
     </mc:Fallback>
   </mc:AlternateContent>
@@ -23861,6 +22992,163 @@
           <a:p>
             <a:r>
               <a:rPr lang="en-US" dirty="0" smtClean="0"/>
+              <a:t>Array Vs. Linked List</a:t>
+            </a:r>
+            <a:endParaRPr lang="en-US" dirty="0"/>
+          </a:p>
+        </p:txBody>
+      </p:sp>
+      <p:pic>
+        <p:nvPicPr>
+          <p:cNvPr id="4" name="Content Placeholder 3"/>
+          <p:cNvPicPr>
+            <a:picLocks noGrp="1" noChangeAspect="1"/>
+          </p:cNvPicPr>
+          <p:nvPr>
+            <p:ph idx="1"/>
+          </p:nvPr>
+        </p:nvPicPr>
+        <p:blipFill>
+          <a:blip r:embed="rId2"/>
+          <a:srcRect t="-6626" b="-6626"/>
+          <a:stretch>
+            <a:fillRect/>
+          </a:stretch>
+        </p:blipFill>
+        <p:spPr/>
+      </p:pic>
+      <p:sp>
+        <p:nvSpPr>
+          <p:cNvPr id="3" name="Date Placeholder 2"/>
+          <p:cNvSpPr>
+            <a:spLocks noGrp="1"/>
+          </p:cNvSpPr>
+          <p:nvPr>
+            <p:ph type="dt" sz="half" idx="10"/>
+          </p:nvPr>
+        </p:nvSpPr>
+        <p:spPr/>
+        <p:txBody>
+          <a:bodyPr/>
+          <a:lstStyle/>
+          <a:p>
+            <a:r>
+              <a:rPr lang="en-US" smtClean="0"/>
+              <a:t>11/17/2017</a:t>
+            </a:r>
+            <a:endParaRPr lang="en-US"/>
+          </a:p>
+        </p:txBody>
+      </p:sp>
+      <p:sp>
+        <p:nvSpPr>
+          <p:cNvPr id="5" name="Footer Placeholder 4"/>
+          <p:cNvSpPr>
+            <a:spLocks noGrp="1"/>
+          </p:cNvSpPr>
+          <p:nvPr>
+            <p:ph type="ftr" sz="quarter" idx="11"/>
+          </p:nvPr>
+        </p:nvSpPr>
+        <p:spPr/>
+        <p:txBody>
+          <a:bodyPr/>
+          <a:lstStyle/>
+          <a:p>
+            <a:r>
+              <a:rPr lang="en-US" smtClean="0"/>
+              <a:t>Linked Lists in Python - Esquivel</a:t>
+            </a:r>
+            <a:endParaRPr lang="en-US"/>
+          </a:p>
+        </p:txBody>
+      </p:sp>
+      <p:sp>
+        <p:nvSpPr>
+          <p:cNvPr id="6" name="Slide Number Placeholder 5"/>
+          <p:cNvSpPr>
+            <a:spLocks noGrp="1"/>
+          </p:cNvSpPr>
+          <p:nvPr>
+            <p:ph type="sldNum" sz="quarter" idx="12"/>
+          </p:nvPr>
+        </p:nvSpPr>
+        <p:spPr/>
+        <p:txBody>
+          <a:bodyPr/>
+          <a:lstStyle/>
+          <a:p>
+            <a:fld id="{BA9B540C-44DA-4F69-89C9-7C84606640D3}" type="slidenum">
+              <a:rPr lang="en-US" smtClean="0"/>
+              <a:pPr/>
+              <a:t>22</a:t>
+            </a:fld>
+            <a:endParaRPr lang="en-US"/>
+          </a:p>
+        </p:txBody>
+      </p:sp>
+    </p:spTree>
+    <p:extLst>
+      <p:ext uri="{BB962C8B-B14F-4D97-AF65-F5344CB8AC3E}">
+        <p14:creationId xmlns:p14="http://schemas.microsoft.com/office/powerpoint/2010/main" val="3313946135"/>
+      </p:ext>
+    </p:extLst>
+  </p:cSld>
+  <p:clrMapOvr>
+    <a:masterClrMapping/>
+  </p:clrMapOvr>
+  <mc:AlternateContent xmlns:mc="http://schemas.openxmlformats.org/markup-compatibility/2006" xmlns:p14="http://schemas.microsoft.com/office/powerpoint/2010/main">
+    <mc:Choice Requires="p14">
+      <p:transition spd="slow" p14:dur="2000"/>
+    </mc:Choice>
+    <mc:Fallback xmlns="">
+      <p:transition spd="slow"/>
+    </mc:Fallback>
+  </mc:AlternateContent>
+  <p:timing>
+    <p:tnLst>
+      <p:par>
+        <p:cTn id="1" dur="indefinite" restart="never" nodeType="tmRoot"/>
+      </p:par>
+    </p:tnLst>
+  </p:timing>
+</p:sld>
+</file>
+
+<file path=ppt/slides/slide23.xml><?xml version="1.0" encoding="utf-8"?>
+<p:sld xmlns:a="http://schemas.openxmlformats.org/drawingml/2006/main" xmlns:r="http://schemas.openxmlformats.org/officeDocument/2006/relationships" xmlns:p="http://schemas.openxmlformats.org/presentationml/2006/main" show="0">
+  <p:cSld>
+    <p:spTree>
+      <p:nvGrpSpPr>
+        <p:cNvPr id="1" name=""/>
+        <p:cNvGrpSpPr/>
+        <p:nvPr/>
+      </p:nvGrpSpPr>
+      <p:grpSpPr>
+        <a:xfrm>
+          <a:off x="0" y="0"/>
+          <a:ext cx="0" cy="0"/>
+          <a:chOff x="0" y="0"/>
+          <a:chExt cx="0" cy="0"/>
+        </a:xfrm>
+      </p:grpSpPr>
+      <p:sp>
+        <p:nvSpPr>
+          <p:cNvPr id="2" name="Title 1"/>
+          <p:cNvSpPr>
+            <a:spLocks noGrp="1"/>
+          </p:cNvSpPr>
+          <p:nvPr>
+            <p:ph type="title"/>
+          </p:nvPr>
+        </p:nvSpPr>
+        <p:spPr/>
+        <p:txBody>
+          <a:bodyPr/>
+          <a:lstStyle/>
+          <a:p>
+            <a:r>
+              <a:rPr lang="en-US" dirty="0" smtClean="0"/>
               <a:t>Doubly Linked Lists</a:t>
             </a:r>
             <a:endParaRPr lang="en-US" dirty="0"/>
@@ -23950,7 +23238,7 @@
             <a:fld id="{BA9B540C-44DA-4F69-89C9-7C84606640D3}" type="slidenum">
               <a:rPr lang="en-US" smtClean="0"/>
               <a:pPr/>
-              <a:t>22</a:t>
+              <a:t>23</a:t>
             </a:fld>
             <a:endParaRPr lang="en-US"/>
           </a:p>
@@ -23966,257 +23254,14 @@
   <p:clrMapOvr>
     <a:masterClrMapping/>
   </p:clrMapOvr>
-  <mc:AlternateContent xmlns:mc="http://schemas.openxmlformats.org/markup-compatibility/2006">
-    <mc:Choice xmlns:p14="http://schemas.microsoft.com/office/powerpoint/2010/main" Requires="p14">
+  <mc:AlternateContent xmlns:mc="http://schemas.openxmlformats.org/markup-compatibility/2006" xmlns:p14="http://schemas.microsoft.com/office/powerpoint/2010/main">
+    <mc:Choice Requires="p14">
       <p:transition spd="slow" p14:dur="2000"/>
     </mc:Choice>
-    <mc:Fallback>
+    <mc:Fallback xmlns="">
       <p:transition spd="slow"/>
     </mc:Fallback>
   </mc:AlternateContent>
-  <p:timing>
-    <p:tnLst>
-      <p:par>
-        <p:cTn id="1" dur="indefinite" restart="never" nodeType="tmRoot"/>
-      </p:par>
-    </p:tnLst>
-  </p:timing>
-</p:sld>
-</file>
-
-<file path=ppt/slides/slide23.xml><?xml version="1.0" encoding="utf-8"?>
-<p:sld xmlns:a="http://schemas.openxmlformats.org/drawingml/2006/main" xmlns:r="http://schemas.openxmlformats.org/officeDocument/2006/relationships" xmlns:p="http://schemas.openxmlformats.org/presentationml/2006/main">
-  <p:cSld>
-    <p:spTree>
-      <p:nvGrpSpPr>
-        <p:cNvPr id="1" name=""/>
-        <p:cNvGrpSpPr/>
-        <p:nvPr/>
-      </p:nvGrpSpPr>
-      <p:grpSpPr>
-        <a:xfrm>
-          <a:off x="0" y="0"/>
-          <a:ext cx="0" cy="0"/>
-          <a:chOff x="0" y="0"/>
-          <a:chExt cx="0" cy="0"/>
-        </a:xfrm>
-      </p:grpSpPr>
-      <p:sp>
-        <p:nvSpPr>
-          <p:cNvPr id="2" name="Title 1"/>
-          <p:cNvSpPr>
-            <a:spLocks noGrp="1"/>
-          </p:cNvSpPr>
-          <p:nvPr>
-            <p:ph type="title"/>
-          </p:nvPr>
-        </p:nvSpPr>
-        <p:spPr/>
-        <p:txBody>
-          <a:bodyPr/>
-          <a:lstStyle/>
-          <a:p>
-            <a:r>
-              <a:rPr lang="en-US" dirty="0" smtClean="0"/>
-              <a:t>Summary</a:t>
-            </a:r>
-            <a:endParaRPr lang="en-US" dirty="0"/>
-          </a:p>
-        </p:txBody>
-      </p:sp>
-      <p:sp>
-        <p:nvSpPr>
-          <p:cNvPr id="3" name="Content Placeholder 2"/>
-          <p:cNvSpPr>
-            <a:spLocks noGrp="1"/>
-          </p:cNvSpPr>
-          <p:nvPr>
-            <p:ph idx="1"/>
-          </p:nvPr>
-        </p:nvSpPr>
-        <p:spPr/>
-        <p:txBody>
-          <a:bodyPr/>
-          <a:lstStyle/>
-          <a:p>
-            <a:r>
-              <a:rPr lang="en-US" dirty="0" smtClean="0"/>
-              <a:t>Focused on linked lists</a:t>
-            </a:r>
-          </a:p>
-          <a:p>
-            <a:r>
-              <a:rPr lang="en-US" dirty="0" smtClean="0"/>
-              <a:t>Studied the </a:t>
-            </a:r>
-            <a:r>
-              <a:rPr lang="en-US" dirty="0"/>
-              <a:t>concepts that underlie </a:t>
-            </a:r>
-            <a:r>
-              <a:rPr lang="en-US" dirty="0" smtClean="0"/>
-              <a:t>lists</a:t>
-            </a:r>
-          </a:p>
-          <a:p>
-            <a:pPr lvl="1"/>
-            <a:r>
-              <a:rPr lang="en-US" dirty="0" smtClean="0"/>
-              <a:t>nodes </a:t>
-            </a:r>
-          </a:p>
-          <a:p>
-            <a:pPr lvl="1"/>
-            <a:r>
-              <a:rPr lang="en-US" dirty="0" smtClean="0"/>
-              <a:t>pointers </a:t>
-            </a:r>
-          </a:p>
-          <a:p>
-            <a:r>
-              <a:rPr lang="en-US" dirty="0" smtClean="0"/>
-              <a:t>Defined major </a:t>
-            </a:r>
-            <a:r>
-              <a:rPr lang="en-US" dirty="0" smtClean="0"/>
-              <a:t>methods </a:t>
-            </a:r>
-            <a:r>
-              <a:rPr lang="en-US" dirty="0" smtClean="0"/>
-              <a:t>typical of a linked link</a:t>
-            </a:r>
-          </a:p>
-          <a:p>
-            <a:pPr lvl="1"/>
-            <a:r>
-              <a:rPr lang="en-US" dirty="0" smtClean="0"/>
-              <a:t>Node</a:t>
-            </a:r>
-          </a:p>
-          <a:p>
-            <a:pPr lvl="1"/>
-            <a:r>
-              <a:rPr lang="en-US" dirty="0" smtClean="0"/>
-              <a:t>Append</a:t>
-            </a:r>
-          </a:p>
-          <a:p>
-            <a:pPr lvl="1"/>
-            <a:r>
-              <a:rPr lang="en-US" dirty="0" smtClean="0"/>
-              <a:t>Get</a:t>
-            </a:r>
-          </a:p>
-          <a:p>
-            <a:pPr lvl="1"/>
-            <a:r>
-              <a:rPr lang="en-US" dirty="0" smtClean="0"/>
-              <a:t>Erase</a:t>
-            </a:r>
-          </a:p>
-          <a:p>
-            <a:pPr lvl="1"/>
-            <a:r>
-              <a:rPr lang="en-US" dirty="0" smtClean="0"/>
-              <a:t>Length</a:t>
-            </a:r>
-          </a:p>
-          <a:p>
-            <a:pPr lvl="1"/>
-            <a:r>
-              <a:rPr lang="en-US" dirty="0" smtClean="0"/>
-              <a:t>Display</a:t>
-            </a:r>
-          </a:p>
-          <a:p>
-            <a:r>
-              <a:rPr lang="en-US" dirty="0" smtClean="0"/>
-              <a:t>Next session: arrays and lists</a:t>
-            </a:r>
-            <a:endParaRPr lang="en-US" dirty="0"/>
-          </a:p>
-        </p:txBody>
-      </p:sp>
-      <p:sp>
-        <p:nvSpPr>
-          <p:cNvPr id="4" name="Date Placeholder 3"/>
-          <p:cNvSpPr>
-            <a:spLocks noGrp="1"/>
-          </p:cNvSpPr>
-          <p:nvPr>
-            <p:ph type="dt" sz="half" idx="10"/>
-          </p:nvPr>
-        </p:nvSpPr>
-        <p:spPr/>
-        <p:txBody>
-          <a:bodyPr/>
-          <a:lstStyle/>
-          <a:p>
-            <a:r>
-              <a:rPr lang="en-US" smtClean="0"/>
-              <a:t>11/17/2017</a:t>
-            </a:r>
-            <a:endParaRPr lang="en-US"/>
-          </a:p>
-        </p:txBody>
-      </p:sp>
-      <p:sp>
-        <p:nvSpPr>
-          <p:cNvPr id="5" name="Footer Placeholder 4"/>
-          <p:cNvSpPr>
-            <a:spLocks noGrp="1"/>
-          </p:cNvSpPr>
-          <p:nvPr>
-            <p:ph type="ftr" sz="quarter" idx="11"/>
-          </p:nvPr>
-        </p:nvSpPr>
-        <p:spPr/>
-        <p:txBody>
-          <a:bodyPr/>
-          <a:lstStyle/>
-          <a:p>
-            <a:r>
-              <a:rPr lang="en-US" smtClean="0"/>
-              <a:t>Linked Lists in Python - Esquivel</a:t>
-            </a:r>
-            <a:endParaRPr lang="en-US"/>
-          </a:p>
-        </p:txBody>
-      </p:sp>
-      <p:sp>
-        <p:nvSpPr>
-          <p:cNvPr id="6" name="Slide Number Placeholder 5"/>
-          <p:cNvSpPr>
-            <a:spLocks noGrp="1"/>
-          </p:cNvSpPr>
-          <p:nvPr>
-            <p:ph type="sldNum" sz="quarter" idx="12"/>
-          </p:nvPr>
-        </p:nvSpPr>
-        <p:spPr/>
-        <p:txBody>
-          <a:bodyPr/>
-          <a:lstStyle/>
-          <a:p>
-            <a:fld id="{BA9B540C-44DA-4F69-89C9-7C84606640D3}" type="slidenum">
-              <a:rPr lang="en-US" smtClean="0"/>
-              <a:pPr/>
-              <a:t>23</a:t>
-            </a:fld>
-            <a:endParaRPr lang="en-US"/>
-          </a:p>
-        </p:txBody>
-      </p:sp>
-    </p:spTree>
-    <p:extLst>
-      <p:ext uri="{BB962C8B-B14F-4D97-AF65-F5344CB8AC3E}">
-        <p14:creationId xmlns:p14="http://schemas.microsoft.com/office/powerpoint/2010/main" val="1298643747"/>
-      </p:ext>
-    </p:extLst>
-  </p:cSld>
-  <p:clrMapOvr>
-    <a:masterClrMapping/>
-  </p:clrMapOvr>
   <p:timing>
     <p:tnLst>
       <p:par>
@@ -24261,7 +23306,7 @@
           <a:p>
             <a:r>
               <a:rPr lang="en-US" dirty="0" smtClean="0"/>
-              <a:t>Credits</a:t>
+              <a:t>Summary</a:t>
             </a:r>
             <a:endParaRPr lang="en-US" dirty="0"/>
           </a:p>
@@ -24283,67 +23328,90 @@
           <a:lstStyle/>
           <a:p>
             <a:r>
+              <a:rPr lang="en-US" dirty="0" smtClean="0"/>
+              <a:t>Focused on linked lists</a:t>
+            </a:r>
+          </a:p>
+          <a:p>
+            <a:r>
+              <a:rPr lang="en-US" dirty="0" smtClean="0"/>
+              <a:t>Studied the </a:t>
+            </a:r>
+            <a:r>
               <a:rPr lang="en-US" dirty="0"/>
-              <a:t>Python Data Structures and </a:t>
+              <a:t>concepts that underlie </a:t>
             </a:r>
             <a:r>
               <a:rPr lang="en-US" dirty="0" smtClean="0"/>
-              <a:t>Algorithms, by </a:t>
-            </a:r>
-            <a:r>
-              <a:rPr lang="en-US" dirty="0"/>
-              <a:t>Benjamin </a:t>
-            </a:r>
+              <a:t>lists</a:t>
+            </a:r>
+          </a:p>
+          <a:p>
+            <a:pPr lvl="1"/>
             <a:r>
               <a:rPr lang="en-US" dirty="0" smtClean="0"/>
-              <a:t>Baka, </a:t>
-            </a:r>
-            <a:r>
-              <a:rPr lang="en-US" i="1" dirty="0" smtClean="0"/>
-              <a:t>Published </a:t>
-            </a:r>
-            <a:r>
-              <a:rPr lang="en-US" i="1" dirty="0"/>
-              <a:t>by Show publisher page link if publisher pages switch is on </a:t>
-            </a:r>
-            <a:r>
-              <a:rPr lang="en-US" i="1" dirty="0">
-                <a:hlinkClick r:id="rId3"/>
-              </a:rPr>
-              <a:t>Packt Publishing, </a:t>
-            </a:r>
-            <a:r>
-              <a:rPr lang="en-US" i="1" dirty="0" smtClean="0">
-                <a:hlinkClick r:id="rId3"/>
-              </a:rPr>
-              <a:t>2017</a:t>
-            </a:r>
-            <a:endParaRPr lang="en-US" i="1" dirty="0" smtClean="0"/>
-          </a:p>
-          <a:p>
-            <a:r>
-              <a:rPr lang="en-US" i="1" dirty="0" smtClean="0"/>
-              <a:t>Faure, Brian: “</a:t>
-            </a:r>
-            <a:r>
-              <a:rPr lang="en-US" dirty="0">
-                <a:hlinkClick r:id="rId4"/>
-              </a:rPr>
-              <a:t>Python Data Structures #2: Linked </a:t>
-            </a:r>
-            <a:r>
-              <a:rPr lang="en-US" dirty="0" smtClean="0">
-                <a:hlinkClick r:id="rId4"/>
-              </a:rPr>
-              <a:t>List</a:t>
-            </a:r>
+              <a:t>nodes </a:t>
+            </a:r>
+          </a:p>
+          <a:p>
+            <a:pPr lvl="1"/>
             <a:r>
               <a:rPr lang="en-US" dirty="0" smtClean="0"/>
-              <a:t>”, August 26, 2017, </a:t>
-            </a:r>
-            <a:r>
-              <a:rPr lang="en-US" dirty="0" err="1" smtClean="0"/>
-              <a:t>youtube</a:t>
+              <a:t>pointers </a:t>
+            </a:r>
+          </a:p>
+          <a:p>
+            <a:r>
+              <a:rPr lang="en-US" dirty="0" smtClean="0"/>
+              <a:t>Defined major methods typical of a linked link</a:t>
+            </a:r>
+          </a:p>
+          <a:p>
+            <a:pPr lvl="1"/>
+            <a:r>
+              <a:rPr lang="en-US" dirty="0" smtClean="0"/>
+              <a:t>Node</a:t>
+            </a:r>
+          </a:p>
+          <a:p>
+            <a:pPr lvl="1"/>
+            <a:r>
+              <a:rPr lang="en-US" dirty="0" smtClean="0"/>
+              <a:t>Append</a:t>
+            </a:r>
+          </a:p>
+          <a:p>
+            <a:pPr lvl="1"/>
+            <a:r>
+              <a:rPr lang="en-US" dirty="0" smtClean="0"/>
+              <a:t>Get</a:t>
+            </a:r>
+          </a:p>
+          <a:p>
+            <a:pPr lvl="1"/>
+            <a:r>
+              <a:rPr lang="en-US" dirty="0" smtClean="0"/>
+              <a:t>Erase</a:t>
+            </a:r>
+          </a:p>
+          <a:p>
+            <a:pPr lvl="1"/>
+            <a:r>
+              <a:rPr lang="en-US" dirty="0" smtClean="0"/>
+              <a:t>Length</a:t>
+            </a:r>
+          </a:p>
+          <a:p>
+            <a:pPr lvl="1"/>
+            <a:r>
+              <a:rPr lang="en-US" dirty="0" smtClean="0"/>
+              <a:t>Display</a:t>
+            </a:r>
+          </a:p>
+          <a:p>
+            <a:r>
+              <a:rPr lang="en-US" dirty="0" smtClean="0"/>
+              <a:t>Next session: arrays and lists</a:t>
             </a:r>
             <a:endParaRPr lang="en-US" dirty="0"/>
           </a:p>
@@ -24414,6 +23482,218 @@
               <a:rPr lang="en-US" smtClean="0"/>
               <a:pPr/>
               <a:t>24</a:t>
+            </a:fld>
+            <a:endParaRPr lang="en-US"/>
+          </a:p>
+        </p:txBody>
+      </p:sp>
+    </p:spTree>
+    <p:extLst>
+      <p:ext uri="{BB962C8B-B14F-4D97-AF65-F5344CB8AC3E}">
+        <p14:creationId xmlns:p14="http://schemas.microsoft.com/office/powerpoint/2010/main" val="1298643747"/>
+      </p:ext>
+    </p:extLst>
+  </p:cSld>
+  <p:clrMapOvr>
+    <a:masterClrMapping/>
+  </p:clrMapOvr>
+  <p:timing>
+    <p:tnLst>
+      <p:par>
+        <p:cTn id="1" dur="indefinite" restart="never" nodeType="tmRoot"/>
+      </p:par>
+    </p:tnLst>
+  </p:timing>
+</p:sld>
+</file>
+
+<file path=ppt/slides/slide25.xml><?xml version="1.0" encoding="utf-8"?>
+<p:sld xmlns:a="http://schemas.openxmlformats.org/drawingml/2006/main" xmlns:r="http://schemas.openxmlformats.org/officeDocument/2006/relationships" xmlns:p="http://schemas.openxmlformats.org/presentationml/2006/main">
+  <p:cSld>
+    <p:spTree>
+      <p:nvGrpSpPr>
+        <p:cNvPr id="1" name=""/>
+        <p:cNvGrpSpPr/>
+        <p:nvPr/>
+      </p:nvGrpSpPr>
+      <p:grpSpPr>
+        <a:xfrm>
+          <a:off x="0" y="0"/>
+          <a:ext cx="0" cy="0"/>
+          <a:chOff x="0" y="0"/>
+          <a:chExt cx="0" cy="0"/>
+        </a:xfrm>
+      </p:grpSpPr>
+      <p:sp>
+        <p:nvSpPr>
+          <p:cNvPr id="2" name="Title 1"/>
+          <p:cNvSpPr>
+            <a:spLocks noGrp="1"/>
+          </p:cNvSpPr>
+          <p:nvPr>
+            <p:ph type="title"/>
+          </p:nvPr>
+        </p:nvSpPr>
+        <p:spPr/>
+        <p:txBody>
+          <a:bodyPr/>
+          <a:lstStyle/>
+          <a:p>
+            <a:r>
+              <a:rPr lang="en-US" dirty="0" smtClean="0"/>
+              <a:t>Credits</a:t>
+            </a:r>
+            <a:endParaRPr lang="en-US" dirty="0"/>
+          </a:p>
+        </p:txBody>
+      </p:sp>
+      <p:sp>
+        <p:nvSpPr>
+          <p:cNvPr id="3" name="Content Placeholder 2"/>
+          <p:cNvSpPr>
+            <a:spLocks noGrp="1"/>
+          </p:cNvSpPr>
+          <p:nvPr>
+            <p:ph idx="1"/>
+          </p:nvPr>
+        </p:nvSpPr>
+        <p:spPr/>
+        <p:txBody>
+          <a:bodyPr/>
+          <a:lstStyle/>
+          <a:p>
+            <a:r>
+              <a:rPr lang="en-US" dirty="0"/>
+              <a:t>Python Data Structures and </a:t>
+            </a:r>
+            <a:r>
+              <a:rPr lang="en-US" dirty="0" smtClean="0"/>
+              <a:t>Algorithms, by </a:t>
+            </a:r>
+            <a:r>
+              <a:rPr lang="en-US" dirty="0"/>
+              <a:t>Benjamin </a:t>
+            </a:r>
+            <a:r>
+              <a:rPr lang="en-US" dirty="0" smtClean="0"/>
+              <a:t>Baka, </a:t>
+            </a:r>
+            <a:r>
+              <a:rPr lang="en-US" i="1" dirty="0" smtClean="0"/>
+              <a:t>Published </a:t>
+            </a:r>
+            <a:r>
+              <a:rPr lang="en-US" i="1" dirty="0"/>
+              <a:t>by Show publisher page link if publisher pages switch is on </a:t>
+            </a:r>
+            <a:r>
+              <a:rPr lang="en-US" i="1" dirty="0">
+                <a:hlinkClick r:id="rId3"/>
+              </a:rPr>
+              <a:t>Packt Publishing, </a:t>
+            </a:r>
+            <a:r>
+              <a:rPr lang="en-US" i="1" dirty="0" smtClean="0">
+                <a:hlinkClick r:id="rId3"/>
+              </a:rPr>
+              <a:t>2017</a:t>
+            </a:r>
+            <a:endParaRPr lang="en-US" i="1" dirty="0" smtClean="0"/>
+          </a:p>
+          <a:p>
+            <a:r>
+              <a:rPr lang="en-US" i="1" dirty="0" smtClean="0"/>
+              <a:t>Faure, Brian: “</a:t>
+            </a:r>
+            <a:r>
+              <a:rPr lang="en-US" dirty="0">
+                <a:hlinkClick r:id="rId4"/>
+              </a:rPr>
+              <a:t>Python Data Structures #2: Linked </a:t>
+            </a:r>
+            <a:r>
+              <a:rPr lang="en-US" dirty="0" smtClean="0">
+                <a:hlinkClick r:id="rId4"/>
+              </a:rPr>
+              <a:t>List</a:t>
+            </a:r>
+            <a:r>
+              <a:rPr lang="en-US" dirty="0" smtClean="0"/>
+              <a:t>”, August 26, 2017, </a:t>
+            </a:r>
+            <a:r>
+              <a:rPr lang="en-US" dirty="0" err="1" smtClean="0"/>
+              <a:t>youtube</a:t>
+            </a:r>
+            <a:endParaRPr lang="en-US" dirty="0"/>
+          </a:p>
+        </p:txBody>
+      </p:sp>
+      <p:sp>
+        <p:nvSpPr>
+          <p:cNvPr id="4" name="Date Placeholder 3"/>
+          <p:cNvSpPr>
+            <a:spLocks noGrp="1"/>
+          </p:cNvSpPr>
+          <p:nvPr>
+            <p:ph type="dt" sz="half" idx="10"/>
+          </p:nvPr>
+        </p:nvSpPr>
+        <p:spPr/>
+        <p:txBody>
+          <a:bodyPr/>
+          <a:lstStyle/>
+          <a:p>
+            <a:r>
+              <a:rPr lang="en-US" smtClean="0"/>
+              <a:t>11/17/2017</a:t>
+            </a:r>
+            <a:endParaRPr lang="en-US"/>
+          </a:p>
+        </p:txBody>
+      </p:sp>
+      <p:sp>
+        <p:nvSpPr>
+          <p:cNvPr id="5" name="Footer Placeholder 4"/>
+          <p:cNvSpPr>
+            <a:spLocks noGrp="1"/>
+          </p:cNvSpPr>
+          <p:nvPr>
+            <p:ph type="ftr" sz="quarter" idx="11"/>
+          </p:nvPr>
+        </p:nvSpPr>
+        <p:spPr/>
+        <p:txBody>
+          <a:bodyPr/>
+          <a:lstStyle/>
+          <a:p>
+            <a:r>
+              <a:rPr lang="en-US" smtClean="0"/>
+              <a:t>Linked Lists in Python - Esquivel</a:t>
+            </a:r>
+            <a:endParaRPr lang="en-US"/>
+          </a:p>
+        </p:txBody>
+      </p:sp>
+      <p:sp>
+        <p:nvSpPr>
+          <p:cNvPr id="6" name="Slide Number Placeholder 5"/>
+          <p:cNvSpPr>
+            <a:spLocks noGrp="1"/>
+          </p:cNvSpPr>
+          <p:nvPr>
+            <p:ph type="sldNum" sz="quarter" idx="12"/>
+          </p:nvPr>
+        </p:nvSpPr>
+        <p:spPr/>
+        <p:txBody>
+          <a:bodyPr/>
+          <a:lstStyle/>
+          <a:p>
+            <a:fld id="{BA9B540C-44DA-4F69-89C9-7C84606640D3}" type="slidenum">
+              <a:rPr lang="en-US" smtClean="0"/>
+              <a:pPr/>
+              <a:t>25</a:t>
             </a:fld>
             <a:endParaRPr lang="en-US"/>
           </a:p>
@@ -24624,7 +23904,6 @@
               <a:rPr lang="en-US" dirty="0" smtClean="0"/>
               <a:t>Append</a:t>
             </a:r>
-            <a:endParaRPr lang="en-US" dirty="0" smtClean="0"/>
           </a:p>
           <a:p>
             <a:pPr marL="800100" lvl="1" indent="-342900">
@@ -24635,7 +23914,6 @@
               <a:rPr lang="en-US" dirty="0" smtClean="0"/>
               <a:t>Get</a:t>
             </a:r>
-            <a:endParaRPr lang="en-US" dirty="0" smtClean="0"/>
           </a:p>
           <a:p>
             <a:pPr marL="800100" lvl="1" indent="-342900">
@@ -24646,7 +23924,6 @@
               <a:rPr lang="en-US" dirty="0" smtClean="0"/>
               <a:t>Display</a:t>
             </a:r>
-            <a:endParaRPr lang="en-US" dirty="0" smtClean="0"/>
           </a:p>
           <a:p>
             <a:pPr marL="800100" lvl="1" indent="-342900">
@@ -24657,7 +23934,6 @@
               <a:rPr lang="en-US" dirty="0" smtClean="0"/>
               <a:t>Length</a:t>
             </a:r>
-            <a:endParaRPr lang="en-US" dirty="0" smtClean="0"/>
           </a:p>
           <a:p>
             <a:pPr marL="800100" lvl="1" indent="-342900">
@@ -24668,7 +23944,6 @@
               <a:rPr lang="en-US" dirty="0" smtClean="0"/>
               <a:t>Remove</a:t>
             </a:r>
-            <a:endParaRPr lang="en-US" dirty="0" smtClean="0"/>
           </a:p>
         </p:txBody>
       </p:sp>
